--- a/Slides/Final_Presentation/WeFood.pptx
+++ b/Slides/Final_Presentation/WeFood.pptx
@@ -6,6 +6,18 @@
   </p:sldMasterIdLst>
   <p:sldIdLst>
     <p:sldId id="256" r:id="rId2"/>
+    <p:sldId id="257" r:id="rId3"/>
+    <p:sldId id="258" r:id="rId4"/>
+    <p:sldId id="259" r:id="rId5"/>
+    <p:sldId id="260" r:id="rId6"/>
+    <p:sldId id="261" r:id="rId7"/>
+    <p:sldId id="262" r:id="rId8"/>
+    <p:sldId id="263" r:id="rId9"/>
+    <p:sldId id="264" r:id="rId10"/>
+    <p:sldId id="265" r:id="rId11"/>
+    <p:sldId id="266" r:id="rId12"/>
+    <p:sldId id="267" r:id="rId13"/>
+    <p:sldId id="268" r:id="rId14"/>
   </p:sldIdLst>
   <p:sldSz cx="12192000" cy="6858000"/>
   <p:notesSz cx="6858000" cy="9144000"/>
@@ -104,6 +116,11 @@
       </a:defRPr>
     </a:lvl9pPr>
   </p:defaultTextStyle>
+  <p:extLst>
+    <p:ext uri="{EFAFB233-063F-42B5-8137-9DF3F51BA10A}">
+      <p15:sldGuideLst xmlns:p15="http://schemas.microsoft.com/office/powerpoint/2012/main"/>
+    </p:ext>
+  </p:extLst>
 </p:presentation>
 </file>
 
@@ -3379,13 +3396,18 @@
             <a:p>
               <a:pPr algn="ctr"/>
               <a:r>
-                <a:rPr lang="it-IT" sz="5500" b="1" dirty="0">
+                <a:rPr lang="it-IT" sz="5500" b="1" dirty="0" err="1">
                   <a:solidFill>
                     <a:schemeClr val="bg1"/>
                   </a:solidFill>
                 </a:rPr>
                 <a:t>WeFood</a:t>
               </a:r>
+              <a:endParaRPr lang="it-IT" sz="5500" b="1" dirty="0">
+                <a:solidFill>
+                  <a:schemeClr val="bg1"/>
+                </a:solidFill>
+              </a:endParaRPr>
             </a:p>
           </p:txBody>
         </p:sp>
@@ -3440,8 +3462,8 @@
         </p:nvSpPr>
         <p:spPr>
           <a:xfrm>
-            <a:off x="3518139" y="629730"/>
-            <a:ext cx="5155721" cy="400110"/>
+            <a:off x="3518138" y="743570"/>
+            <a:ext cx="5155721" cy="369332"/>
           </a:xfrm>
           <a:prstGeom prst="rect">
             <a:avLst/>
@@ -3456,28 +3478,12 @@
           <a:p>
             <a:pPr algn="ctr"/>
             <a:r>
-              <a:rPr lang="it-IT" sz="2000" dirty="0">
+              <a:rPr lang="it-IT" dirty="0">
                 <a:solidFill>
                   <a:schemeClr val="bg1"/>
                 </a:solidFill>
               </a:rPr>
-              <a:t>Large-Scale and Multi-</a:t>
-            </a:r>
-            <a:r>
-              <a:rPr lang="it-IT" sz="2000" dirty="0" err="1">
-                <a:solidFill>
-                  <a:schemeClr val="bg1"/>
-                </a:solidFill>
-              </a:rPr>
-              <a:t>Structured</a:t>
-            </a:r>
-            <a:r>
-              <a:rPr lang="it-IT" sz="2000" dirty="0">
-                <a:solidFill>
-                  <a:schemeClr val="bg1"/>
-                </a:solidFill>
-              </a:rPr>
-              <a:t> Databases</a:t>
+              <a:t>LARGE-SCALE AND MULTI-STRUCTURED DATABASES</a:t>
             </a:r>
           </a:p>
         </p:txBody>
@@ -3596,8 +3602,8 @@
         </p:nvSpPr>
         <p:spPr>
           <a:xfrm>
-            <a:off x="3518138" y="1037236"/>
-            <a:ext cx="5155721" cy="369332"/>
+            <a:off x="3518137" y="1992800"/>
+            <a:ext cx="5155721" cy="307777"/>
           </a:xfrm>
           <a:prstGeom prst="rect">
             <a:avLst/>
@@ -3612,97 +3618,22 @@
           <a:p>
             <a:pPr algn="ctr"/>
             <a:r>
-              <a:rPr lang="it-IT" dirty="0">
+              <a:rPr lang="it-IT" sz="1400" dirty="0">
                 <a:solidFill>
                   <a:schemeClr val="bg1"/>
                 </a:solidFill>
               </a:rPr>
-              <a:t>Project </a:t>
-            </a:r>
-            <a:r>
-              <a:rPr lang="it-IT" dirty="0" err="1">
-                <a:solidFill>
-                  <a:schemeClr val="bg1"/>
-                </a:solidFill>
-              </a:rPr>
-              <a:t>Discussion</a:t>
-            </a:r>
-            <a:endParaRPr lang="it-IT" dirty="0">
-              <a:solidFill>
-                <a:schemeClr val="bg1"/>
-              </a:solidFill>
-            </a:endParaRPr>
-          </a:p>
-        </p:txBody>
-      </p:sp>
-      <p:sp>
-        <p:nvSpPr>
-          <p:cNvPr id="18" name="CasellaDiTesto 17">
-            <a:extLst>
-              <a:ext uri="{FF2B5EF4-FFF2-40B4-BE49-F238E27FC236}">
-                <a16:creationId xmlns:a16="http://schemas.microsoft.com/office/drawing/2014/main" id="{8B1513DE-5DBD-F55B-E625-B54E30677F8D}"/>
-              </a:ext>
-            </a:extLst>
-          </p:cNvPr>
-          <p:cNvSpPr txBox="1"/>
-          <p:nvPr/>
-        </p:nvSpPr>
-        <p:spPr>
-          <a:xfrm>
-            <a:off x="9312215" y="4831914"/>
-            <a:ext cx="2071777" cy="784830"/>
-          </a:xfrm>
-          <a:prstGeom prst="rect">
-            <a:avLst/>
-          </a:prstGeom>
-          <a:noFill/>
-        </p:spPr>
-        <p:txBody>
-          <a:bodyPr wrap="square" rtlCol="0">
-            <a:spAutoFit/>
-          </a:bodyPr>
-          <a:lstStyle/>
-          <a:p>
-            <a:pPr algn="r"/>
-            <a:r>
-              <a:rPr lang="it-IT" sz="1500" dirty="0">
-                <a:solidFill>
-                  <a:schemeClr val="bg1"/>
-                </a:solidFill>
-              </a:rPr>
-              <a:t>Giovanni Ligato</a:t>
-            </a:r>
-          </a:p>
-          <a:p>
-            <a:pPr algn="r"/>
-            <a:r>
-              <a:rPr lang="it-IT" sz="1500" dirty="0">
-                <a:solidFill>
-                  <a:schemeClr val="bg1"/>
-                </a:solidFill>
-              </a:rPr>
-              <a:t>Cleto Pellegrino</a:t>
-            </a:r>
-          </a:p>
-          <a:p>
-            <a:pPr algn="r"/>
-            <a:r>
-              <a:rPr lang="it-IT" sz="1500" dirty="0">
-                <a:solidFill>
-                  <a:schemeClr val="bg1"/>
-                </a:solidFill>
-              </a:rPr>
-              <a:t>Giuseppe Soriano</a:t>
+              <a:t>PROJECT DISCUSSION</a:t>
             </a:r>
           </a:p>
         </p:txBody>
       </p:sp>
       <p:grpSp>
         <p:nvGrpSpPr>
-          <p:cNvPr id="25" name="Gruppo 24">
-            <a:extLst>
-              <a:ext uri="{FF2B5EF4-FFF2-40B4-BE49-F238E27FC236}">
-                <a16:creationId xmlns:a16="http://schemas.microsoft.com/office/drawing/2014/main" id="{3427EA41-A356-5F17-9AD9-345D44B194F2}"/>
+          <p:cNvPr id="6" name="Gruppo 5">
+            <a:extLst>
+              <a:ext uri="{FF2B5EF4-FFF2-40B4-BE49-F238E27FC236}">
+                <a16:creationId xmlns:a16="http://schemas.microsoft.com/office/drawing/2014/main" id="{DCCA6799-BE8F-1FC3-1C1A-5542FE198BC4}"/>
               </a:ext>
             </a:extLst>
           </p:cNvPr>
@@ -3711,18 +3642,18 @@
         </p:nvGrpSpPr>
         <p:grpSpPr>
           <a:xfrm>
-            <a:off x="8734244" y="4369291"/>
-            <a:ext cx="2684252" cy="385608"/>
-            <a:chOff x="8268417" y="3961051"/>
-            <a:chExt cx="2684252" cy="385608"/>
+            <a:off x="605075" y="4322493"/>
+            <a:ext cx="2684252" cy="864811"/>
+            <a:chOff x="458636" y="4195298"/>
+            <a:chExt cx="2684252" cy="864811"/>
           </a:xfrm>
         </p:grpSpPr>
         <p:sp>
           <p:nvSpPr>
-            <p:cNvPr id="17" name="CasellaDiTesto 16">
+            <p:cNvPr id="26" name="CasellaDiTesto 25">
               <a:extLst>
                 <a:ext uri="{FF2B5EF4-FFF2-40B4-BE49-F238E27FC236}">
-                  <a16:creationId xmlns:a16="http://schemas.microsoft.com/office/drawing/2014/main" id="{7AA93FFB-3536-5172-16C7-E83CF7AC9360}"/>
+                  <a16:creationId xmlns:a16="http://schemas.microsoft.com/office/drawing/2014/main" id="{5A8FF00D-590A-73BD-4D6E-46186BEAD610}"/>
                 </a:ext>
               </a:extLst>
             </p:cNvPr>
@@ -3731,8 +3662,221 @@
           </p:nvSpPr>
           <p:spPr>
             <a:xfrm>
-              <a:off x="8268417" y="3961051"/>
-              <a:ext cx="2684252" cy="369332"/>
+              <a:off x="475888" y="4598444"/>
+              <a:ext cx="2071777" cy="461665"/>
+            </a:xfrm>
+            <a:prstGeom prst="rect">
+              <a:avLst/>
+            </a:prstGeom>
+            <a:noFill/>
+          </p:spPr>
+          <p:txBody>
+            <a:bodyPr wrap="square" rtlCol="0">
+              <a:spAutoFit/>
+            </a:bodyPr>
+            <a:lstStyle/>
+            <a:p>
+              <a:r>
+                <a:rPr lang="it-IT" sz="1200" dirty="0">
+                  <a:solidFill>
+                    <a:schemeClr val="bg1"/>
+                  </a:solidFill>
+                </a:rPr>
+                <a:t>PIETRO DUCANGE</a:t>
+              </a:r>
+            </a:p>
+            <a:p>
+              <a:r>
+                <a:rPr lang="it-IT" sz="1200" dirty="0">
+                  <a:solidFill>
+                    <a:schemeClr val="bg1"/>
+                  </a:solidFill>
+                </a:rPr>
+                <a:t>ALESSIO SCHIAVO</a:t>
+              </a:r>
+            </a:p>
+          </p:txBody>
+        </p:sp>
+        <p:grpSp>
+          <p:nvGrpSpPr>
+            <p:cNvPr id="27" name="Gruppo 26">
+              <a:extLst>
+                <a:ext uri="{FF2B5EF4-FFF2-40B4-BE49-F238E27FC236}">
+                  <a16:creationId xmlns:a16="http://schemas.microsoft.com/office/drawing/2014/main" id="{319E8CC2-E933-B37E-EA8C-F0329ECBAF5E}"/>
+                </a:ext>
+              </a:extLst>
+            </p:cNvPr>
+            <p:cNvGrpSpPr/>
+            <p:nvPr/>
+          </p:nvGrpSpPr>
+          <p:grpSpPr>
+            <a:xfrm>
+              <a:off x="458636" y="4195298"/>
+              <a:ext cx="2684252" cy="353943"/>
+              <a:chOff x="8268417" y="3961051"/>
+              <a:chExt cx="2684252" cy="353943"/>
+            </a:xfrm>
+          </p:grpSpPr>
+          <p:sp>
+            <p:nvSpPr>
+              <p:cNvPr id="28" name="CasellaDiTesto 27">
+                <a:extLst>
+                  <a:ext uri="{FF2B5EF4-FFF2-40B4-BE49-F238E27FC236}">
+                    <a16:creationId xmlns:a16="http://schemas.microsoft.com/office/drawing/2014/main" id="{2DE7690E-1007-CC04-9AF6-91DD2814055D}"/>
+                  </a:ext>
+                </a:extLst>
+              </p:cNvPr>
+              <p:cNvSpPr txBox="1"/>
+              <p:nvPr/>
+            </p:nvSpPr>
+            <p:spPr>
+              <a:xfrm>
+                <a:off x="8268417" y="3961051"/>
+                <a:ext cx="2684252" cy="353943"/>
+              </a:xfrm>
+              <a:prstGeom prst="rect">
+                <a:avLst/>
+              </a:prstGeom>
+              <a:noFill/>
+            </p:spPr>
+            <p:txBody>
+              <a:bodyPr wrap="square" rtlCol="0">
+                <a:spAutoFit/>
+              </a:bodyPr>
+              <a:lstStyle/>
+              <a:p>
+                <a:r>
+                  <a:rPr lang="it-IT" sz="1700" dirty="0">
+                    <a:solidFill>
+                      <a:schemeClr val="bg1"/>
+                    </a:solidFill>
+                  </a:rPr>
+                  <a:t>PROFESSORS</a:t>
+                </a:r>
+              </a:p>
+            </p:txBody>
+          </p:sp>
+          <p:cxnSp>
+            <p:nvCxnSpPr>
+              <p:cNvPr id="29" name="Connettore diritto 28">
+                <a:extLst>
+                  <a:ext uri="{FF2B5EF4-FFF2-40B4-BE49-F238E27FC236}">
+                    <a16:creationId xmlns:a16="http://schemas.microsoft.com/office/drawing/2014/main" id="{848A73F4-ED29-453E-4936-8423B307457F}"/>
+                  </a:ext>
+                </a:extLst>
+              </p:cNvPr>
+              <p:cNvCxnSpPr>
+                <a:cxnSpLocks/>
+              </p:cNvCxnSpPr>
+              <p:nvPr/>
+            </p:nvCxnSpPr>
+            <p:spPr>
+              <a:xfrm>
+                <a:off x="8364026" y="4299605"/>
+                <a:ext cx="1119279" cy="0"/>
+              </a:xfrm>
+              <a:prstGeom prst="line">
+                <a:avLst/>
+              </a:prstGeom>
+              <a:ln w="19050">
+                <a:solidFill>
+                  <a:schemeClr val="bg1"/>
+                </a:solidFill>
+              </a:ln>
+            </p:spPr>
+            <p:style>
+              <a:lnRef idx="1">
+                <a:schemeClr val="accent1"/>
+              </a:lnRef>
+              <a:fillRef idx="0">
+                <a:schemeClr val="accent1"/>
+              </a:fillRef>
+              <a:effectRef idx="0">
+                <a:schemeClr val="accent1"/>
+              </a:effectRef>
+              <a:fontRef idx="minor">
+                <a:schemeClr val="tx1"/>
+              </a:fontRef>
+            </p:style>
+          </p:cxnSp>
+        </p:grpSp>
+      </p:grpSp>
+      <p:sp>
+        <p:nvSpPr>
+          <p:cNvPr id="2" name="CasellaDiTesto 1">
+            <a:extLst>
+              <a:ext uri="{FF2B5EF4-FFF2-40B4-BE49-F238E27FC236}">
+                <a16:creationId xmlns:a16="http://schemas.microsoft.com/office/drawing/2014/main" id="{01BC707F-F132-7670-DA0C-BA7E67681FD4}"/>
+              </a:ext>
+            </a:extLst>
+          </p:cNvPr>
+          <p:cNvSpPr txBox="1"/>
+          <p:nvPr/>
+        </p:nvSpPr>
+        <p:spPr>
+          <a:xfrm>
+            <a:off x="3518140" y="498929"/>
+            <a:ext cx="5155721" cy="292388"/>
+          </a:xfrm>
+          <a:prstGeom prst="rect">
+            <a:avLst/>
+          </a:prstGeom>
+          <a:noFill/>
+        </p:spPr>
+        <p:txBody>
+          <a:bodyPr wrap="square" rtlCol="0">
+            <a:spAutoFit/>
+          </a:bodyPr>
+          <a:lstStyle/>
+          <a:p>
+            <a:pPr algn="ctr"/>
+            <a:r>
+              <a:rPr lang="it-IT" sz="1300" dirty="0">
+                <a:solidFill>
+                  <a:schemeClr val="bg1"/>
+                </a:solidFill>
+              </a:rPr>
+              <a:t>COMPUTER ENGINEERING MASTER DEGREE</a:t>
+            </a:r>
+          </a:p>
+        </p:txBody>
+      </p:sp>
+      <p:grpSp>
+        <p:nvGrpSpPr>
+          <p:cNvPr id="9" name="Gruppo 8">
+            <a:extLst>
+              <a:ext uri="{FF2B5EF4-FFF2-40B4-BE49-F238E27FC236}">
+                <a16:creationId xmlns:a16="http://schemas.microsoft.com/office/drawing/2014/main" id="{FABE2684-7223-365B-B172-C558DF07A31E}"/>
+              </a:ext>
+            </a:extLst>
+          </p:cNvPr>
+          <p:cNvGrpSpPr/>
+          <p:nvPr/>
+        </p:nvGrpSpPr>
+        <p:grpSpPr>
+          <a:xfrm>
+            <a:off x="9515148" y="4322493"/>
+            <a:ext cx="2976831" cy="1035242"/>
+            <a:chOff x="166057" y="4195298"/>
+            <a:chExt cx="2976831" cy="1035242"/>
+          </a:xfrm>
+        </p:grpSpPr>
+        <p:sp>
+          <p:nvSpPr>
+            <p:cNvPr id="11" name="CasellaDiTesto 10">
+              <a:extLst>
+                <a:ext uri="{FF2B5EF4-FFF2-40B4-BE49-F238E27FC236}">
+                  <a16:creationId xmlns:a16="http://schemas.microsoft.com/office/drawing/2014/main" id="{465BF90F-D929-BDF5-03EE-FB7AC8B4CD16}"/>
+                </a:ext>
+              </a:extLst>
+            </p:cNvPr>
+            <p:cNvSpPr txBox="1"/>
+            <p:nvPr/>
+          </p:nvSpPr>
+          <p:spPr>
+            <a:xfrm>
+              <a:off x="166057" y="4584209"/>
+              <a:ext cx="2071777" cy="646331"/>
             </a:xfrm>
             <a:prstGeom prst="rect">
               <a:avLst/>
@@ -3747,79 +3891,510 @@
             <a:p>
               <a:pPr algn="r"/>
               <a:r>
-                <a:rPr lang="it-IT" dirty="0">
+                <a:rPr lang="it-IT" sz="1200" dirty="0">
                   <a:solidFill>
                     <a:schemeClr val="bg1"/>
                   </a:solidFill>
                 </a:rPr>
-                <a:t>Group </a:t>
+                <a:t>GIOVANNI LIGATO</a:t>
               </a:r>
-              <a:r>
-                <a:rPr lang="it-IT" dirty="0" err="1">
+              <a:br>
+                <a:rPr lang="it-IT" sz="1200" dirty="0">
                   <a:solidFill>
                     <a:schemeClr val="bg1"/>
                   </a:solidFill>
                 </a:rPr>
-                <a:t>Members</a:t>
+              </a:br>
+              <a:r>
+                <a:rPr lang="it-IT" sz="1200" dirty="0">
+                  <a:solidFill>
+                    <a:schemeClr val="bg1"/>
+                  </a:solidFill>
+                </a:rPr>
+                <a:t>CLETO PELLEGRINO</a:t>
               </a:r>
-              <a:endParaRPr lang="it-IT" dirty="0">
-                <a:solidFill>
-                  <a:schemeClr val="bg1"/>
-                </a:solidFill>
-              </a:endParaRPr>
+            </a:p>
+            <a:p>
+              <a:pPr algn="r"/>
+              <a:r>
+                <a:rPr lang="it-IT" sz="1200" dirty="0">
+                  <a:solidFill>
+                    <a:schemeClr val="bg1"/>
+                  </a:solidFill>
+                </a:rPr>
+                <a:t>GIUSEPPE SORIANO</a:t>
+              </a:r>
             </a:p>
           </p:txBody>
         </p:sp>
-        <p:cxnSp>
-          <p:nvCxnSpPr>
-            <p:cNvPr id="20" name="Connettore diritto 19">
+        <p:grpSp>
+          <p:nvGrpSpPr>
+            <p:cNvPr id="19" name="Gruppo 18">
               <a:extLst>
                 <a:ext uri="{FF2B5EF4-FFF2-40B4-BE49-F238E27FC236}">
-                  <a16:creationId xmlns:a16="http://schemas.microsoft.com/office/drawing/2014/main" id="{5662BB37-A86A-32DF-431B-87343268D391}"/>
+                  <a16:creationId xmlns:a16="http://schemas.microsoft.com/office/drawing/2014/main" id="{557575B2-F670-3D35-BE4C-002F27B4D22F}"/>
                 </a:ext>
               </a:extLst>
             </p:cNvPr>
-            <p:cNvCxnSpPr>
-              <a:cxnSpLocks/>
-            </p:cNvCxnSpPr>
+            <p:cNvGrpSpPr/>
             <p:nvPr/>
-          </p:nvCxnSpPr>
+          </p:nvGrpSpPr>
+          <p:grpSpPr>
+            <a:xfrm>
+              <a:off x="458636" y="4195298"/>
+              <a:ext cx="2684252" cy="353943"/>
+              <a:chOff x="8268417" y="3961051"/>
+              <a:chExt cx="2684252" cy="353943"/>
+            </a:xfrm>
+          </p:grpSpPr>
+          <p:sp>
+            <p:nvSpPr>
+              <p:cNvPr id="21" name="CasellaDiTesto 20">
+                <a:extLst>
+                  <a:ext uri="{FF2B5EF4-FFF2-40B4-BE49-F238E27FC236}">
+                    <a16:creationId xmlns:a16="http://schemas.microsoft.com/office/drawing/2014/main" id="{B4A75FE5-9AD2-8B59-35B7-535C78BD3789}"/>
+                  </a:ext>
+                </a:extLst>
+              </p:cNvPr>
+              <p:cNvSpPr txBox="1"/>
+              <p:nvPr/>
+            </p:nvSpPr>
+            <p:spPr>
+              <a:xfrm>
+                <a:off x="8268417" y="3961051"/>
+                <a:ext cx="2684252" cy="353943"/>
+              </a:xfrm>
+              <a:prstGeom prst="rect">
+                <a:avLst/>
+              </a:prstGeom>
+              <a:noFill/>
+            </p:spPr>
+            <p:txBody>
+              <a:bodyPr wrap="square" rtlCol="0">
+                <a:spAutoFit/>
+              </a:bodyPr>
+              <a:lstStyle/>
+              <a:p>
+                <a:r>
+                  <a:rPr lang="it-IT" sz="1700" dirty="0">
+                    <a:solidFill>
+                      <a:schemeClr val="bg1"/>
+                    </a:solidFill>
+                  </a:rPr>
+                  <a:t>GROUP MEMBERS</a:t>
+                </a:r>
+              </a:p>
+            </p:txBody>
+          </p:sp>
+          <p:cxnSp>
+            <p:nvCxnSpPr>
+              <p:cNvPr id="22" name="Connettore diritto 21">
+                <a:extLst>
+                  <a:ext uri="{FF2B5EF4-FFF2-40B4-BE49-F238E27FC236}">
+                    <a16:creationId xmlns:a16="http://schemas.microsoft.com/office/drawing/2014/main" id="{28C81F8B-DF02-7AD9-6632-3181D1C944E2}"/>
+                  </a:ext>
+                </a:extLst>
+              </p:cNvPr>
+              <p:cNvCxnSpPr>
+                <a:cxnSpLocks/>
+              </p:cNvCxnSpPr>
+              <p:nvPr/>
+            </p:nvCxnSpPr>
+            <p:spPr>
+              <a:xfrm>
+                <a:off x="8364026" y="4299605"/>
+                <a:ext cx="1586543" cy="0"/>
+              </a:xfrm>
+              <a:prstGeom prst="line">
+                <a:avLst/>
+              </a:prstGeom>
+              <a:ln w="19050">
+                <a:solidFill>
+                  <a:schemeClr val="bg1"/>
+                </a:solidFill>
+              </a:ln>
+            </p:spPr>
+            <p:style>
+              <a:lnRef idx="1">
+                <a:schemeClr val="accent1"/>
+              </a:lnRef>
+              <a:fillRef idx="0">
+                <a:schemeClr val="accent1"/>
+              </a:fillRef>
+              <a:effectRef idx="0">
+                <a:schemeClr val="accent1"/>
+              </a:effectRef>
+              <a:fontRef idx="minor">
+                <a:schemeClr val="tx1"/>
+              </a:fontRef>
+            </p:style>
+          </p:cxnSp>
+        </p:grpSp>
+      </p:grpSp>
+    </p:spTree>
+    <p:extLst>
+      <p:ext uri="{BB962C8B-B14F-4D97-AF65-F5344CB8AC3E}">
+        <p14:creationId xmlns:p14="http://schemas.microsoft.com/office/powerpoint/2010/main" val="1131298435"/>
+      </p:ext>
+    </p:extLst>
+  </p:cSld>
+  <p:clrMapOvr>
+    <a:masterClrMapping/>
+  </p:clrMapOvr>
+</p:sld>
+</file>
+
+<file path=ppt/slides/slide10.xml><?xml version="1.0" encoding="utf-8"?>
+<p:sld xmlns:a="http://schemas.openxmlformats.org/drawingml/2006/main" xmlns:r="http://schemas.openxmlformats.org/officeDocument/2006/relationships" xmlns:p="http://schemas.openxmlformats.org/presentationml/2006/main">
+  <p:cSld>
+    <p:spTree>
+      <p:nvGrpSpPr>
+        <p:cNvPr id="1" name=""/>
+        <p:cNvGrpSpPr/>
+        <p:nvPr/>
+      </p:nvGrpSpPr>
+      <p:grpSpPr>
+        <a:xfrm>
+          <a:off x="0" y="0"/>
+          <a:ext cx="0" cy="0"/>
+          <a:chOff x="0" y="0"/>
+          <a:chExt cx="0" cy="0"/>
+        </a:xfrm>
+      </p:grpSpPr>
+      <p:sp>
+        <p:nvSpPr>
+          <p:cNvPr id="4" name="CasellaDiTesto 3">
+            <a:extLst>
+              <a:ext uri="{FF2B5EF4-FFF2-40B4-BE49-F238E27FC236}">
+                <a16:creationId xmlns:a16="http://schemas.microsoft.com/office/drawing/2014/main" id="{C6DDEC60-C6E7-3DEC-12AC-1117AD215303}"/>
+              </a:ext>
+            </a:extLst>
+          </p:cNvPr>
+          <p:cNvSpPr txBox="1"/>
+          <p:nvPr/>
+        </p:nvSpPr>
+        <p:spPr>
+          <a:xfrm>
+            <a:off x="-136126" y="403510"/>
+            <a:ext cx="3184126" cy="307777"/>
+          </a:xfrm>
+          <a:prstGeom prst="rect">
+            <a:avLst/>
+          </a:prstGeom>
+          <a:noFill/>
+        </p:spPr>
+        <p:txBody>
+          <a:bodyPr wrap="square" rtlCol="0">
+            <a:spAutoFit/>
+          </a:bodyPr>
+          <a:lstStyle/>
+          <a:p>
+            <a:pPr algn="ctr"/>
+            <a:r>
+              <a:rPr lang="it-IT" sz="1400" b="1" dirty="0">
+                <a:solidFill>
+                  <a:srgbClr val="F48C06"/>
+                </a:solidFill>
+              </a:rPr>
+              <a:t>CONSISTENCY</a:t>
+            </a:r>
+            <a:endParaRPr lang="it-IT" sz="1600" b="1" dirty="0">
+              <a:solidFill>
+                <a:srgbClr val="F48C06"/>
+              </a:solidFill>
+            </a:endParaRPr>
+          </a:p>
+        </p:txBody>
+      </p:sp>
+      <p:pic>
+        <p:nvPicPr>
+          <p:cNvPr id="3" name="Immagine 2" descr="Immagine che contiene simbolo, clipart, silhouette&#10;&#10;Descrizione generata automaticamente">
+            <a:extLst>
+              <a:ext uri="{FF2B5EF4-FFF2-40B4-BE49-F238E27FC236}">
+                <a16:creationId xmlns:a16="http://schemas.microsoft.com/office/drawing/2014/main" id="{D110C037-B25E-ACCE-4C4A-CB3E97E76610}"/>
+              </a:ext>
+            </a:extLst>
+          </p:cNvPr>
+          <p:cNvPicPr>
+            <a:picLocks noChangeAspect="1"/>
+          </p:cNvPicPr>
+          <p:nvPr/>
+        </p:nvPicPr>
+        <p:blipFill>
+          <a:blip r:embed="rId2">
+            <a:extLst>
+              <a:ext uri="{28A0092B-C50C-407E-A947-70E740481C1C}">
+                <a14:useLocalDpi xmlns:a14="http://schemas.microsoft.com/office/drawing/2010/main" val="0"/>
+              </a:ext>
+            </a:extLst>
+          </a:blip>
+          <a:stretch>
+            <a:fillRect/>
+          </a:stretch>
+        </p:blipFill>
+        <p:spPr>
+          <a:xfrm>
+            <a:off x="8604488" y="2131624"/>
+            <a:ext cx="1168163" cy="1168163"/>
+          </a:xfrm>
+          <a:prstGeom prst="rect">
+            <a:avLst/>
+          </a:prstGeom>
+        </p:spPr>
+      </p:pic>
+      <p:grpSp>
+        <p:nvGrpSpPr>
+          <p:cNvPr id="11" name="Gruppo 10">
+            <a:extLst>
+              <a:ext uri="{FF2B5EF4-FFF2-40B4-BE49-F238E27FC236}">
+                <a16:creationId xmlns:a16="http://schemas.microsoft.com/office/drawing/2014/main" id="{57568B90-873C-F9FF-0207-47245D012749}"/>
+              </a:ext>
+            </a:extLst>
+          </p:cNvPr>
+          <p:cNvGrpSpPr/>
+          <p:nvPr/>
+        </p:nvGrpSpPr>
+        <p:grpSpPr>
+          <a:xfrm>
+            <a:off x="2127489" y="2043470"/>
+            <a:ext cx="920511" cy="1135539"/>
+            <a:chOff x="1206211" y="1096769"/>
+            <a:chExt cx="3952825" cy="4876190"/>
+          </a:xfrm>
+        </p:grpSpPr>
+        <p:pic>
+          <p:nvPicPr>
+            <p:cNvPr id="6" name="Immagine 5" descr="Immagine che contiene simbolo, clipart, silhouette&#10;&#10;Descrizione generata automaticamente">
+              <a:extLst>
+                <a:ext uri="{FF2B5EF4-FFF2-40B4-BE49-F238E27FC236}">
+                  <a16:creationId xmlns:a16="http://schemas.microsoft.com/office/drawing/2014/main" id="{84A76674-A4E9-E8AD-A260-AE44BF196F3C}"/>
+                </a:ext>
+              </a:extLst>
+            </p:cNvPr>
+            <p:cNvPicPr>
+              <a:picLocks noChangeAspect="1"/>
+            </p:cNvPicPr>
+            <p:nvPr/>
+          </p:nvPicPr>
+          <p:blipFill rotWithShape="1">
+            <a:blip r:embed="rId3">
+              <a:extLst>
+                <a:ext uri="{28A0092B-C50C-407E-A947-70E740481C1C}">
+                  <a14:useLocalDpi xmlns:a14="http://schemas.microsoft.com/office/drawing/2010/main" val="0"/>
+                </a:ext>
+              </a:extLst>
+            </a:blip>
+            <a:srcRect l="18936"/>
+            <a:stretch/>
+          </p:blipFill>
+          <p:spPr>
+            <a:xfrm flipH="1">
+              <a:off x="1206212" y="1096769"/>
+              <a:ext cx="3952824" cy="4876190"/>
+            </a:xfrm>
+            <a:prstGeom prst="rect">
+              <a:avLst/>
+            </a:prstGeom>
+          </p:spPr>
+        </p:pic>
+        <p:pic>
+          <p:nvPicPr>
+            <p:cNvPr id="5" name="Immagine 4" descr="Immagine che contiene simbolo, clipart, silhouette&#10;&#10;Descrizione generata automaticamente">
+              <a:extLst>
+                <a:ext uri="{FF2B5EF4-FFF2-40B4-BE49-F238E27FC236}">
+                  <a16:creationId xmlns:a16="http://schemas.microsoft.com/office/drawing/2014/main" id="{EB2C45B5-48B4-9722-E2CE-EBAF4EE80309}"/>
+                </a:ext>
+              </a:extLst>
+            </p:cNvPr>
+            <p:cNvPicPr>
+              <a:picLocks noChangeAspect="1"/>
+            </p:cNvPicPr>
+            <p:nvPr/>
+          </p:nvPicPr>
+          <p:blipFill rotWithShape="1">
+            <a:blip r:embed="rId2">
+              <a:extLst>
+                <a:ext uri="{28A0092B-C50C-407E-A947-70E740481C1C}">
+                  <a14:useLocalDpi xmlns:a14="http://schemas.microsoft.com/office/drawing/2010/main" val="0"/>
+                </a:ext>
+              </a:extLst>
+            </a:blip>
+            <a:srcRect l="18936"/>
+            <a:stretch/>
+          </p:blipFill>
           <p:spPr>
             <a:xfrm>
-              <a:off x="9351034" y="4346659"/>
-              <a:ext cx="1509623" cy="0"/>
+              <a:off x="1206211" y="1096769"/>
+              <a:ext cx="3952825" cy="4876190"/>
             </a:xfrm>
-            <a:prstGeom prst="line">
+            <a:prstGeom prst="rect">
               <a:avLst/>
             </a:prstGeom>
-            <a:ln w="19050">
-              <a:solidFill>
-                <a:schemeClr val="bg1"/>
-              </a:solidFill>
+          </p:spPr>
+        </p:pic>
+        <p:sp>
+          <p:nvSpPr>
+            <p:cNvPr id="7" name="Ovale 6">
+              <a:extLst>
+                <a:ext uri="{FF2B5EF4-FFF2-40B4-BE49-F238E27FC236}">
+                  <a16:creationId xmlns:a16="http://schemas.microsoft.com/office/drawing/2014/main" id="{DB518741-46E4-85C0-8954-6FB4F85543A6}"/>
+                </a:ext>
+              </a:extLst>
+            </p:cNvPr>
+            <p:cNvSpPr/>
+            <p:nvPr/>
+          </p:nvSpPr>
+          <p:spPr>
+            <a:xfrm>
+              <a:off x="1408308" y="2326898"/>
+              <a:ext cx="2054026" cy="3074894"/>
+            </a:xfrm>
+            <a:prstGeom prst="ellipse">
+              <a:avLst/>
+            </a:prstGeom>
+            <a:solidFill>
+              <a:srgbClr val="F1F1F4"/>
+            </a:solidFill>
+            <a:ln>
+              <a:noFill/>
             </a:ln>
           </p:spPr>
           <p:style>
-            <a:lnRef idx="1">
-              <a:schemeClr val="accent1"/>
+            <a:lnRef idx="2">
+              <a:schemeClr val="accent1">
+                <a:shade val="15000"/>
+              </a:schemeClr>
             </a:lnRef>
-            <a:fillRef idx="0">
+            <a:fillRef idx="1">
               <a:schemeClr val="accent1"/>
             </a:fillRef>
             <a:effectRef idx="0">
               <a:schemeClr val="accent1"/>
             </a:effectRef>
             <a:fontRef idx="minor">
-              <a:schemeClr val="tx1"/>
+              <a:schemeClr val="lt1"/>
             </a:fontRef>
           </p:style>
-        </p:cxnSp>
+          <p:txBody>
+            <a:bodyPr rtlCol="0" anchor="ctr"/>
+            <a:lstStyle/>
+            <a:p>
+              <a:pPr algn="ctr"/>
+              <a:endParaRPr lang="it-IT"/>
+            </a:p>
+          </p:txBody>
+        </p:sp>
+        <p:sp>
+          <p:nvSpPr>
+            <p:cNvPr id="8" name="Ovale 7">
+              <a:extLst>
+                <a:ext uri="{FF2B5EF4-FFF2-40B4-BE49-F238E27FC236}">
+                  <a16:creationId xmlns:a16="http://schemas.microsoft.com/office/drawing/2014/main" id="{CE0EB1AC-0947-E9D8-B9B5-4A47400FC9A2}"/>
+                </a:ext>
+              </a:extLst>
+            </p:cNvPr>
+            <p:cNvSpPr/>
+            <p:nvPr/>
+          </p:nvSpPr>
+          <p:spPr>
+            <a:xfrm>
+              <a:off x="2337073" y="2192622"/>
+              <a:ext cx="2250524" cy="3074894"/>
+            </a:xfrm>
+            <a:prstGeom prst="ellipse">
+              <a:avLst/>
+            </a:prstGeom>
+            <a:solidFill>
+              <a:srgbClr val="F1F1F4"/>
+            </a:solidFill>
+            <a:ln>
+              <a:noFill/>
+            </a:ln>
+          </p:spPr>
+          <p:style>
+            <a:lnRef idx="2">
+              <a:schemeClr val="accent1">
+                <a:shade val="15000"/>
+              </a:schemeClr>
+            </a:lnRef>
+            <a:fillRef idx="1">
+              <a:schemeClr val="accent1"/>
+            </a:fillRef>
+            <a:effectRef idx="0">
+              <a:schemeClr val="accent1"/>
+            </a:effectRef>
+            <a:fontRef idx="minor">
+              <a:schemeClr val="lt1"/>
+            </a:fontRef>
+          </p:style>
+          <p:txBody>
+            <a:bodyPr rtlCol="0" anchor="ctr"/>
+            <a:lstStyle/>
+            <a:p>
+              <a:pPr algn="ctr"/>
+              <a:endParaRPr lang="it-IT"/>
+            </a:p>
+          </p:txBody>
+        </p:sp>
+        <p:sp>
+          <p:nvSpPr>
+            <p:cNvPr id="9" name="Ovale 8">
+              <a:extLst>
+                <a:ext uri="{FF2B5EF4-FFF2-40B4-BE49-F238E27FC236}">
+                  <a16:creationId xmlns:a16="http://schemas.microsoft.com/office/drawing/2014/main" id="{2BFA2B03-B992-DC31-A6D0-921D2FDCE610}"/>
+                </a:ext>
+              </a:extLst>
+            </p:cNvPr>
+            <p:cNvSpPr/>
+            <p:nvPr/>
+          </p:nvSpPr>
+          <p:spPr>
+            <a:xfrm>
+              <a:off x="2140575" y="2446014"/>
+              <a:ext cx="2250524" cy="3074894"/>
+            </a:xfrm>
+            <a:prstGeom prst="ellipse">
+              <a:avLst/>
+            </a:prstGeom>
+            <a:solidFill>
+              <a:srgbClr val="F1F1F4"/>
+            </a:solidFill>
+            <a:ln>
+              <a:noFill/>
+            </a:ln>
+          </p:spPr>
+          <p:style>
+            <a:lnRef idx="2">
+              <a:schemeClr val="accent1">
+                <a:shade val="15000"/>
+              </a:schemeClr>
+            </a:lnRef>
+            <a:fillRef idx="1">
+              <a:schemeClr val="accent1"/>
+            </a:fillRef>
+            <a:effectRef idx="0">
+              <a:schemeClr val="accent1"/>
+            </a:effectRef>
+            <a:fontRef idx="minor">
+              <a:schemeClr val="lt1"/>
+            </a:fontRef>
+          </p:style>
+          <p:txBody>
+            <a:bodyPr rtlCol="0" anchor="ctr"/>
+            <a:lstStyle/>
+            <a:p>
+              <a:pPr algn="ctr"/>
+              <a:endParaRPr lang="it-IT"/>
+            </a:p>
+          </p:txBody>
+        </p:sp>
       </p:grpSp>
       <p:sp>
         <p:nvSpPr>
-          <p:cNvPr id="26" name="CasellaDiTesto 25">
-            <a:extLst>
-              <a:ext uri="{FF2B5EF4-FFF2-40B4-BE49-F238E27FC236}">
-                <a16:creationId xmlns:a16="http://schemas.microsoft.com/office/drawing/2014/main" id="{5A8FF00D-590A-73BD-4D6E-46186BEAD610}"/>
+          <p:cNvPr id="12" name="CasellaDiTesto 11">
+            <a:extLst>
+              <a:ext uri="{FF2B5EF4-FFF2-40B4-BE49-F238E27FC236}">
+                <a16:creationId xmlns:a16="http://schemas.microsoft.com/office/drawing/2014/main" id="{3AEF8D8D-7409-7020-744B-44A86774F6D6}"/>
               </a:ext>
             </a:extLst>
           </p:cNvPr>
@@ -3828,8 +4403,8 @@
         </p:nvSpPr>
         <p:spPr>
           <a:xfrm>
-            <a:off x="665670" y="4843815"/>
-            <a:ext cx="2071777" cy="553998"/>
+            <a:off x="1794947" y="3241987"/>
+            <a:ext cx="1585594" cy="307777"/>
           </a:xfrm>
           <a:prstGeom prst="rect">
             <a:avLst/>
@@ -3842,46 +4417,262 @@
           </a:bodyPr>
           <a:lstStyle/>
           <a:p>
-            <a:r>
-              <a:rPr lang="it-IT" sz="1500" dirty="0">
-                <a:solidFill>
-                  <a:schemeClr val="bg1"/>
-                </a:solidFill>
-              </a:rPr>
-              <a:t>Pietro </a:t>
-            </a:r>
-            <a:r>
-              <a:rPr lang="it-IT" sz="1500" dirty="0" err="1">
-                <a:solidFill>
-                  <a:schemeClr val="bg1"/>
-                </a:solidFill>
-              </a:rPr>
-              <a:t>Ducange</a:t>
-            </a:r>
-            <a:endParaRPr lang="it-IT" sz="1500" dirty="0">
+            <a:pPr algn="ctr"/>
+            <a:r>
+              <a:rPr lang="it-IT" sz="1400" b="1" dirty="0">
+                <a:solidFill>
+                  <a:srgbClr val="F48C06"/>
+                </a:solidFill>
+              </a:rPr>
+              <a:t>STRICT</a:t>
+            </a:r>
+            <a:endParaRPr lang="it-IT" sz="1600" b="1" dirty="0">
               <a:solidFill>
-                <a:schemeClr val="bg1"/>
+                <a:srgbClr val="F48C06"/>
               </a:solidFill>
             </a:endParaRPr>
           </a:p>
-          <a:p>
-            <a:r>
-              <a:rPr lang="it-IT" sz="1500" dirty="0">
-                <a:solidFill>
-                  <a:schemeClr val="bg1"/>
-                </a:solidFill>
-              </a:rPr>
-              <a:t>Alessio Schiavo</a:t>
-            </a:r>
-          </a:p>
-        </p:txBody>
-      </p:sp>
+        </p:txBody>
+      </p:sp>
+      <p:sp>
+        <p:nvSpPr>
+          <p:cNvPr id="13" name="CasellaDiTesto 12">
+            <a:extLst>
+              <a:ext uri="{FF2B5EF4-FFF2-40B4-BE49-F238E27FC236}">
+                <a16:creationId xmlns:a16="http://schemas.microsoft.com/office/drawing/2014/main" id="{FB187F95-40E8-B375-CCB2-73062A4B43CC}"/>
+              </a:ext>
+            </a:extLst>
+          </p:cNvPr>
+          <p:cNvSpPr txBox="1"/>
+          <p:nvPr/>
+        </p:nvSpPr>
+        <p:spPr>
+          <a:xfrm>
+            <a:off x="7729857" y="3429000"/>
+            <a:ext cx="3184126" cy="307777"/>
+          </a:xfrm>
+          <a:prstGeom prst="rect">
+            <a:avLst/>
+          </a:prstGeom>
+          <a:noFill/>
+        </p:spPr>
+        <p:txBody>
+          <a:bodyPr wrap="square" rtlCol="0">
+            <a:spAutoFit/>
+          </a:bodyPr>
+          <a:lstStyle/>
+          <a:p>
+            <a:pPr algn="ctr"/>
+            <a:r>
+              <a:rPr lang="it-IT" sz="1400" b="1" dirty="0">
+                <a:solidFill>
+                  <a:srgbClr val="F48C06"/>
+                </a:solidFill>
+              </a:rPr>
+              <a:t>EVENTUAL</a:t>
+            </a:r>
+            <a:endParaRPr lang="it-IT" sz="1600" b="1" dirty="0">
+              <a:solidFill>
+                <a:srgbClr val="F48C06"/>
+              </a:solidFill>
+            </a:endParaRPr>
+          </a:p>
+        </p:txBody>
+      </p:sp>
+    </p:spTree>
+    <p:extLst>
+      <p:ext uri="{BB962C8B-B14F-4D97-AF65-F5344CB8AC3E}">
+        <p14:creationId xmlns:p14="http://schemas.microsoft.com/office/powerpoint/2010/main" val="3195299986"/>
+      </p:ext>
+    </p:extLst>
+  </p:cSld>
+  <p:clrMapOvr>
+    <a:masterClrMapping/>
+  </p:clrMapOvr>
+</p:sld>
+</file>
+
+<file path=ppt/slides/slide11.xml><?xml version="1.0" encoding="utf-8"?>
+<p:sld xmlns:a="http://schemas.openxmlformats.org/drawingml/2006/main" xmlns:r="http://schemas.openxmlformats.org/officeDocument/2006/relationships" xmlns:p="http://schemas.openxmlformats.org/presentationml/2006/main">
+  <p:cSld>
+    <p:spTree>
+      <p:nvGrpSpPr>
+        <p:cNvPr id="1" name=""/>
+        <p:cNvGrpSpPr/>
+        <p:nvPr/>
+      </p:nvGrpSpPr>
+      <p:grpSpPr>
+        <a:xfrm>
+          <a:off x="0" y="0"/>
+          <a:ext cx="0" cy="0"/>
+          <a:chOff x="0" y="0"/>
+          <a:chExt cx="0" cy="0"/>
+        </a:xfrm>
+      </p:grpSpPr>
+      <p:sp>
+        <p:nvSpPr>
+          <p:cNvPr id="4" name="CasellaDiTesto 3">
+            <a:extLst>
+              <a:ext uri="{FF2B5EF4-FFF2-40B4-BE49-F238E27FC236}">
+                <a16:creationId xmlns:a16="http://schemas.microsoft.com/office/drawing/2014/main" id="{C6DDEC60-C6E7-3DEC-12AC-1117AD215303}"/>
+              </a:ext>
+            </a:extLst>
+          </p:cNvPr>
+          <p:cNvSpPr txBox="1"/>
+          <p:nvPr/>
+        </p:nvSpPr>
+        <p:spPr>
+          <a:xfrm>
+            <a:off x="-136126" y="403510"/>
+            <a:ext cx="3184126" cy="307777"/>
+          </a:xfrm>
+          <a:prstGeom prst="rect">
+            <a:avLst/>
+          </a:prstGeom>
+          <a:noFill/>
+        </p:spPr>
+        <p:txBody>
+          <a:bodyPr wrap="square" rtlCol="0">
+            <a:spAutoFit/>
+          </a:bodyPr>
+          <a:lstStyle/>
+          <a:p>
+            <a:pPr algn="ctr"/>
+            <a:r>
+              <a:rPr lang="it-IT" sz="1400" b="1" dirty="0">
+                <a:solidFill>
+                  <a:srgbClr val="F48C06"/>
+                </a:solidFill>
+              </a:rPr>
+              <a:t>SHARDING</a:t>
+            </a:r>
+            <a:endParaRPr lang="it-IT" sz="1600" b="1" dirty="0">
+              <a:solidFill>
+                <a:srgbClr val="F48C06"/>
+              </a:solidFill>
+            </a:endParaRPr>
+          </a:p>
+        </p:txBody>
+      </p:sp>
+    </p:spTree>
+    <p:extLst>
+      <p:ext uri="{BB962C8B-B14F-4D97-AF65-F5344CB8AC3E}">
+        <p14:creationId xmlns:p14="http://schemas.microsoft.com/office/powerpoint/2010/main" val="1988196983"/>
+      </p:ext>
+    </p:extLst>
+  </p:cSld>
+  <p:clrMapOvr>
+    <a:masterClrMapping/>
+  </p:clrMapOvr>
+</p:sld>
+</file>
+
+<file path=ppt/slides/slide12.xml><?xml version="1.0" encoding="utf-8"?>
+<p:sld xmlns:a="http://schemas.openxmlformats.org/drawingml/2006/main" xmlns:r="http://schemas.openxmlformats.org/officeDocument/2006/relationships" xmlns:p="http://schemas.openxmlformats.org/presentationml/2006/main">
+  <p:cSld>
+    <p:spTree>
+      <p:nvGrpSpPr>
+        <p:cNvPr id="1" name=""/>
+        <p:cNvGrpSpPr/>
+        <p:nvPr/>
+      </p:nvGrpSpPr>
+      <p:grpSpPr>
+        <a:xfrm>
+          <a:off x="0" y="0"/>
+          <a:ext cx="0" cy="0"/>
+          <a:chOff x="0" y="0"/>
+          <a:chExt cx="0" cy="0"/>
+        </a:xfrm>
+      </p:grpSpPr>
+      <p:sp>
+        <p:nvSpPr>
+          <p:cNvPr id="4" name="CasellaDiTesto 3">
+            <a:extLst>
+              <a:ext uri="{FF2B5EF4-FFF2-40B4-BE49-F238E27FC236}">
+                <a16:creationId xmlns:a16="http://schemas.microsoft.com/office/drawing/2014/main" id="{C6DDEC60-C6E7-3DEC-12AC-1117AD215303}"/>
+              </a:ext>
+            </a:extLst>
+          </p:cNvPr>
+          <p:cNvSpPr txBox="1"/>
+          <p:nvPr/>
+        </p:nvSpPr>
+        <p:spPr>
+          <a:xfrm>
+            <a:off x="-136126" y="403510"/>
+            <a:ext cx="3184126" cy="307777"/>
+          </a:xfrm>
+          <a:prstGeom prst="rect">
+            <a:avLst/>
+          </a:prstGeom>
+          <a:noFill/>
+        </p:spPr>
+        <p:txBody>
+          <a:bodyPr wrap="square" rtlCol="0">
+            <a:spAutoFit/>
+          </a:bodyPr>
+          <a:lstStyle/>
+          <a:p>
+            <a:pPr algn="ctr"/>
+            <a:r>
+              <a:rPr lang="it-IT" sz="1400" b="1" dirty="0">
+                <a:solidFill>
+                  <a:srgbClr val="F48C06"/>
+                </a:solidFill>
+              </a:rPr>
+              <a:t>FINAL CONSIDERATIONS</a:t>
+            </a:r>
+            <a:endParaRPr lang="it-IT" sz="1600" b="1" dirty="0">
+              <a:solidFill>
+                <a:srgbClr val="F48C06"/>
+              </a:solidFill>
+            </a:endParaRPr>
+          </a:p>
+        </p:txBody>
+      </p:sp>
+    </p:spTree>
+    <p:extLst>
+      <p:ext uri="{BB962C8B-B14F-4D97-AF65-F5344CB8AC3E}">
+        <p14:creationId xmlns:p14="http://schemas.microsoft.com/office/powerpoint/2010/main" val="339887337"/>
+      </p:ext>
+    </p:extLst>
+  </p:cSld>
+  <p:clrMapOvr>
+    <a:masterClrMapping/>
+  </p:clrMapOvr>
+</p:sld>
+</file>
+
+<file path=ppt/slides/slide13.xml><?xml version="1.0" encoding="utf-8"?>
+<p:sld xmlns:a="http://schemas.openxmlformats.org/drawingml/2006/main" xmlns:r="http://schemas.openxmlformats.org/officeDocument/2006/relationships" xmlns:p="http://schemas.openxmlformats.org/presentationml/2006/main">
+  <p:cSld>
+    <p:bg>
+      <p:bgPr>
+        <a:solidFill>
+          <a:srgbClr val="03071E"/>
+        </a:solidFill>
+        <a:effectLst/>
+      </p:bgPr>
+    </p:bg>
+    <p:spTree>
+      <p:nvGrpSpPr>
+        <p:cNvPr id="1" name=""/>
+        <p:cNvGrpSpPr/>
+        <p:nvPr/>
+      </p:nvGrpSpPr>
+      <p:grpSpPr>
+        <a:xfrm>
+          <a:off x="0" y="0"/>
+          <a:ext cx="0" cy="0"/>
+          <a:chOff x="0" y="0"/>
+          <a:chExt cx="0" cy="0"/>
+        </a:xfrm>
+      </p:grpSpPr>
       <p:grpSp>
         <p:nvGrpSpPr>
-          <p:cNvPr id="27" name="Gruppo 26">
-            <a:extLst>
-              <a:ext uri="{FF2B5EF4-FFF2-40B4-BE49-F238E27FC236}">
-                <a16:creationId xmlns:a16="http://schemas.microsoft.com/office/drawing/2014/main" id="{319E8CC2-E933-B37E-EA8C-F0329ECBAF5E}"/>
+          <p:cNvPr id="5" name="Gruppo 4">
+            <a:extLst>
+              <a:ext uri="{FF2B5EF4-FFF2-40B4-BE49-F238E27FC236}">
+                <a16:creationId xmlns:a16="http://schemas.microsoft.com/office/drawing/2014/main" id="{DC9CE04F-7347-26A6-11CB-F9B5D62E428E}"/>
               </a:ext>
             </a:extLst>
           </p:cNvPr>
@@ -3890,18 +4681,18 @@
         </p:nvGrpSpPr>
         <p:grpSpPr>
           <a:xfrm>
-            <a:off x="665670" y="4369291"/>
-            <a:ext cx="2684252" cy="385608"/>
-            <a:chOff x="8268417" y="3961051"/>
-            <a:chExt cx="2684252" cy="385608"/>
+            <a:off x="4517366" y="2547119"/>
+            <a:ext cx="3157268" cy="1154162"/>
+            <a:chOff x="4517366" y="2211960"/>
+            <a:chExt cx="3157268" cy="1154162"/>
           </a:xfrm>
         </p:grpSpPr>
         <p:sp>
           <p:nvSpPr>
-            <p:cNvPr id="28" name="CasellaDiTesto 27">
+            <p:cNvPr id="2" name="CasellaDiTesto 1">
               <a:extLst>
                 <a:ext uri="{FF2B5EF4-FFF2-40B4-BE49-F238E27FC236}">
-                  <a16:creationId xmlns:a16="http://schemas.microsoft.com/office/drawing/2014/main" id="{2DE7690E-1007-CC04-9AF6-91DD2814055D}"/>
+                  <a16:creationId xmlns:a16="http://schemas.microsoft.com/office/drawing/2014/main" id="{42609688-2B91-D70D-6622-D40F71838227}"/>
                 </a:ext>
               </a:extLst>
             </p:cNvPr>
@@ -3910,8 +4701,8 @@
           </p:nvSpPr>
           <p:spPr>
             <a:xfrm>
-              <a:off x="8268417" y="3961051"/>
-              <a:ext cx="2684252" cy="369332"/>
+              <a:off x="4517366" y="2211960"/>
+              <a:ext cx="3157268" cy="938719"/>
             </a:xfrm>
             <a:prstGeom prst="rect">
               <a:avLst/>
@@ -3924,65 +4715,3550 @@
             </a:bodyPr>
             <a:lstStyle/>
             <a:p>
+              <a:pPr algn="ctr"/>
               <a:r>
-                <a:rPr lang="it-IT" dirty="0">
+                <a:rPr lang="it-IT" sz="5500" b="1" dirty="0">
                   <a:solidFill>
                     <a:schemeClr val="bg1"/>
                   </a:solidFill>
                 </a:rPr>
-                <a:t>Professors</a:t>
+                <a:t>THANKS</a:t>
               </a:r>
             </a:p>
           </p:txBody>
         </p:sp>
-        <p:cxnSp>
-          <p:nvCxnSpPr>
-            <p:cNvPr id="29" name="Connettore diritto 28">
+        <p:sp>
+          <p:nvSpPr>
+            <p:cNvPr id="3" name="CasellaDiTesto 2">
               <a:extLst>
                 <a:ext uri="{FF2B5EF4-FFF2-40B4-BE49-F238E27FC236}">
-                  <a16:creationId xmlns:a16="http://schemas.microsoft.com/office/drawing/2014/main" id="{848A73F4-ED29-453E-4936-8423B307457F}"/>
+                  <a16:creationId xmlns:a16="http://schemas.microsoft.com/office/drawing/2014/main" id="{F02E99C8-6278-A84A-9039-F7CF1100B596}"/>
                 </a:ext>
               </a:extLst>
             </p:cNvPr>
-            <p:cNvCxnSpPr>
-              <a:cxnSpLocks/>
-            </p:cNvCxnSpPr>
+            <p:cNvSpPr txBox="1"/>
             <p:nvPr/>
-          </p:nvCxnSpPr>
+          </p:nvSpPr>
           <p:spPr>
             <a:xfrm>
-              <a:off x="8361872" y="4346659"/>
-              <a:ext cx="940279" cy="0"/>
+              <a:off x="4517366" y="2935235"/>
+              <a:ext cx="3157268" cy="430887"/>
             </a:xfrm>
-            <a:prstGeom prst="line">
+            <a:prstGeom prst="rect">
               <a:avLst/>
             </a:prstGeom>
-            <a:ln w="19050">
-              <a:solidFill>
-                <a:schemeClr val="bg1"/>
-              </a:solidFill>
-            </a:ln>
+            <a:noFill/>
           </p:spPr>
-          <p:style>
-            <a:lnRef idx="1">
-              <a:schemeClr val="accent1"/>
-            </a:lnRef>
-            <a:fillRef idx="0">
-              <a:schemeClr val="accent1"/>
-            </a:fillRef>
-            <a:effectRef idx="0">
-              <a:schemeClr val="accent1"/>
-            </a:effectRef>
-            <a:fontRef idx="minor">
-              <a:schemeClr val="tx1"/>
-            </a:fontRef>
-          </p:style>
-        </p:cxnSp>
+          <p:txBody>
+            <a:bodyPr wrap="square" rtlCol="0">
+              <a:spAutoFit/>
+            </a:bodyPr>
+            <a:lstStyle/>
+            <a:p>
+              <a:pPr algn="ctr"/>
+              <a:r>
+                <a:rPr lang="it-IT" sz="2100" dirty="0">
+                  <a:solidFill>
+                    <a:schemeClr val="bg1"/>
+                  </a:solidFill>
+                </a:rPr>
+                <a:t>FOR THE ATTENTION</a:t>
+              </a:r>
+            </a:p>
+          </p:txBody>
+        </p:sp>
       </p:grpSp>
+      <p:pic>
+        <p:nvPicPr>
+          <p:cNvPr id="6" name="Immagine 5" descr="Immagine che contiene simbolo, Carattere, logo, Elementi grafici&#10;&#10;Descrizione generata automaticamente">
+            <a:extLst>
+              <a:ext uri="{FF2B5EF4-FFF2-40B4-BE49-F238E27FC236}">
+                <a16:creationId xmlns:a16="http://schemas.microsoft.com/office/drawing/2014/main" id="{713F2B3B-0ECA-9F2B-B61B-21455597F44C}"/>
+              </a:ext>
+            </a:extLst>
+          </p:cNvPr>
+          <p:cNvPicPr>
+            <a:picLocks noChangeAspect="1"/>
+          </p:cNvPicPr>
+          <p:nvPr/>
+        </p:nvPicPr>
+        <p:blipFill>
+          <a:blip r:embed="rId2">
+            <a:extLst>
+              <a:ext uri="{28A0092B-C50C-407E-A947-70E740481C1C}">
+                <a14:useLocalDpi xmlns:a14="http://schemas.microsoft.com/office/drawing/2010/main" val="0"/>
+              </a:ext>
+            </a:extLst>
+          </a:blip>
+          <a:stretch>
+            <a:fillRect/>
+          </a:stretch>
+        </p:blipFill>
+        <p:spPr>
+          <a:xfrm>
+            <a:off x="5609651" y="3803155"/>
+            <a:ext cx="972698" cy="972698"/>
+          </a:xfrm>
+          <a:prstGeom prst="rect">
+            <a:avLst/>
+          </a:prstGeom>
+        </p:spPr>
+      </p:pic>
+      <p:pic>
+        <p:nvPicPr>
+          <p:cNvPr id="8" name="Immagine 7" descr="Immagine che contiene cartone animato&#10;&#10;Descrizione generata automaticamente">
+            <a:extLst>
+              <a:ext uri="{FF2B5EF4-FFF2-40B4-BE49-F238E27FC236}">
+                <a16:creationId xmlns:a16="http://schemas.microsoft.com/office/drawing/2014/main" id="{9FE5256D-6CAA-3958-A642-AFF362486910}"/>
+              </a:ext>
+            </a:extLst>
+          </p:cNvPr>
+          <p:cNvPicPr>
+            <a:picLocks noChangeAspect="1"/>
+          </p:cNvPicPr>
+          <p:nvPr/>
+        </p:nvPicPr>
+        <p:blipFill>
+          <a:blip r:embed="rId3">
+            <a:extLst>
+              <a:ext uri="{28A0092B-C50C-407E-A947-70E740481C1C}">
+                <a14:useLocalDpi xmlns:a14="http://schemas.microsoft.com/office/drawing/2010/main" val="0"/>
+              </a:ext>
+            </a:extLst>
+          </a:blip>
+          <a:stretch>
+            <a:fillRect/>
+          </a:stretch>
+        </p:blipFill>
+        <p:spPr>
+          <a:xfrm>
+            <a:off x="1658202" y="1501731"/>
+            <a:ext cx="3029494" cy="3029494"/>
+          </a:xfrm>
+          <a:prstGeom prst="rect">
+            <a:avLst/>
+          </a:prstGeom>
+        </p:spPr>
+      </p:pic>
     </p:spTree>
     <p:extLst>
       <p:ext uri="{BB962C8B-B14F-4D97-AF65-F5344CB8AC3E}">
-        <p14:creationId xmlns:p14="http://schemas.microsoft.com/office/powerpoint/2010/main" val="1131298435"/>
+        <p14:creationId xmlns:p14="http://schemas.microsoft.com/office/powerpoint/2010/main" val="4258592085"/>
+      </p:ext>
+    </p:extLst>
+  </p:cSld>
+  <p:clrMapOvr>
+    <a:masterClrMapping/>
+  </p:clrMapOvr>
+</p:sld>
+</file>
+
+<file path=ppt/slides/slide2.xml><?xml version="1.0" encoding="utf-8"?>
+<p:sld xmlns:a="http://schemas.openxmlformats.org/drawingml/2006/main" xmlns:r="http://schemas.openxmlformats.org/officeDocument/2006/relationships" xmlns:p="http://schemas.openxmlformats.org/presentationml/2006/main">
+  <p:cSld>
+    <p:spTree>
+      <p:nvGrpSpPr>
+        <p:cNvPr id="1" name=""/>
+        <p:cNvGrpSpPr/>
+        <p:nvPr/>
+      </p:nvGrpSpPr>
+      <p:grpSpPr>
+        <a:xfrm>
+          <a:off x="0" y="0"/>
+          <a:ext cx="0" cy="0"/>
+          <a:chOff x="0" y="0"/>
+          <a:chExt cx="0" cy="0"/>
+        </a:xfrm>
+      </p:grpSpPr>
+      <p:sp>
+        <p:nvSpPr>
+          <p:cNvPr id="4" name="CasellaDiTesto 3">
+            <a:extLst>
+              <a:ext uri="{FF2B5EF4-FFF2-40B4-BE49-F238E27FC236}">
+                <a16:creationId xmlns:a16="http://schemas.microsoft.com/office/drawing/2014/main" id="{5A9F7DCD-4EBF-3F51-9A1E-D2DE8AC7DA9C}"/>
+              </a:ext>
+            </a:extLst>
+          </p:cNvPr>
+          <p:cNvSpPr txBox="1"/>
+          <p:nvPr/>
+        </p:nvSpPr>
+        <p:spPr>
+          <a:xfrm>
+            <a:off x="3518139" y="352260"/>
+            <a:ext cx="5155721" cy="400110"/>
+          </a:xfrm>
+          <a:prstGeom prst="rect">
+            <a:avLst/>
+          </a:prstGeom>
+          <a:noFill/>
+        </p:spPr>
+        <p:txBody>
+          <a:bodyPr wrap="square" rtlCol="0">
+            <a:spAutoFit/>
+          </a:bodyPr>
+          <a:lstStyle/>
+          <a:p>
+            <a:pPr algn="ctr"/>
+            <a:r>
+              <a:rPr lang="it-IT" sz="2000" b="1" dirty="0">
+                <a:solidFill>
+                  <a:srgbClr val="6A040F"/>
+                </a:solidFill>
+              </a:rPr>
+              <a:t>CLASS DIAGRAM</a:t>
+            </a:r>
+          </a:p>
+        </p:txBody>
+      </p:sp>
+    </p:spTree>
+    <p:extLst>
+      <p:ext uri="{BB962C8B-B14F-4D97-AF65-F5344CB8AC3E}">
+        <p14:creationId xmlns:p14="http://schemas.microsoft.com/office/powerpoint/2010/main" val="1449602927"/>
+      </p:ext>
+    </p:extLst>
+  </p:cSld>
+  <p:clrMapOvr>
+    <a:masterClrMapping/>
+  </p:clrMapOvr>
+</p:sld>
+</file>
+
+<file path=ppt/slides/slide3.xml><?xml version="1.0" encoding="utf-8"?>
+<p:sld xmlns:a="http://schemas.openxmlformats.org/drawingml/2006/main" xmlns:r="http://schemas.openxmlformats.org/officeDocument/2006/relationships" xmlns:p="http://schemas.openxmlformats.org/presentationml/2006/main">
+  <p:cSld>
+    <p:spTree>
+      <p:nvGrpSpPr>
+        <p:cNvPr id="1" name=""/>
+        <p:cNvGrpSpPr/>
+        <p:nvPr/>
+      </p:nvGrpSpPr>
+      <p:grpSpPr>
+        <a:xfrm>
+          <a:off x="0" y="0"/>
+          <a:ext cx="0" cy="0"/>
+          <a:chOff x="0" y="0"/>
+          <a:chExt cx="0" cy="0"/>
+        </a:xfrm>
+      </p:grpSpPr>
+      <p:sp>
+        <p:nvSpPr>
+          <p:cNvPr id="4" name="CasellaDiTesto 3">
+            <a:extLst>
+              <a:ext uri="{FF2B5EF4-FFF2-40B4-BE49-F238E27FC236}">
+                <a16:creationId xmlns:a16="http://schemas.microsoft.com/office/drawing/2014/main" id="{5A9F7DCD-4EBF-3F51-9A1E-D2DE8AC7DA9C}"/>
+              </a:ext>
+            </a:extLst>
+          </p:cNvPr>
+          <p:cNvSpPr txBox="1"/>
+          <p:nvPr/>
+        </p:nvSpPr>
+        <p:spPr>
+          <a:xfrm>
+            <a:off x="-198879" y="1282051"/>
+            <a:ext cx="2513223" cy="307777"/>
+          </a:xfrm>
+          <a:prstGeom prst="rect">
+            <a:avLst/>
+          </a:prstGeom>
+          <a:noFill/>
+        </p:spPr>
+        <p:txBody>
+          <a:bodyPr wrap="square" rtlCol="0">
+            <a:spAutoFit/>
+          </a:bodyPr>
+          <a:lstStyle/>
+          <a:p>
+            <a:pPr algn="ctr"/>
+            <a:r>
+              <a:rPr lang="it-IT" sz="1400" b="1" dirty="0">
+                <a:solidFill>
+                  <a:srgbClr val="F48C06"/>
+                </a:solidFill>
+              </a:rPr>
+              <a:t>DATASETS</a:t>
+            </a:r>
+            <a:endParaRPr lang="it-IT" sz="1600" b="1" dirty="0">
+              <a:solidFill>
+                <a:srgbClr val="F48C06"/>
+              </a:solidFill>
+            </a:endParaRPr>
+          </a:p>
+        </p:txBody>
+      </p:sp>
+      <p:pic>
+        <p:nvPicPr>
+          <p:cNvPr id="3" name="Immagine 2" descr="Immagine che contiene clipart, Elementi grafici, design, cartone animato&#10;&#10;Descrizione generata automaticamente">
+            <a:extLst>
+              <a:ext uri="{FF2B5EF4-FFF2-40B4-BE49-F238E27FC236}">
+                <a16:creationId xmlns:a16="http://schemas.microsoft.com/office/drawing/2014/main" id="{CB754DBE-CB0E-E8D4-B746-C5715E800BA8}"/>
+              </a:ext>
+            </a:extLst>
+          </p:cNvPr>
+          <p:cNvPicPr>
+            <a:picLocks noChangeAspect="1"/>
+          </p:cNvPicPr>
+          <p:nvPr/>
+        </p:nvPicPr>
+        <p:blipFill>
+          <a:blip r:embed="rId2">
+            <a:extLst>
+              <a:ext uri="{28A0092B-C50C-407E-A947-70E740481C1C}">
+                <a14:useLocalDpi xmlns:a14="http://schemas.microsoft.com/office/drawing/2010/main" val="0"/>
+              </a:ext>
+            </a:extLst>
+          </a:blip>
+          <a:stretch>
+            <a:fillRect/>
+          </a:stretch>
+        </p:blipFill>
+        <p:spPr>
+          <a:xfrm>
+            <a:off x="483891" y="134366"/>
+            <a:ext cx="1147685" cy="1147685"/>
+          </a:xfrm>
+          <a:prstGeom prst="rect">
+            <a:avLst/>
+          </a:prstGeom>
+        </p:spPr>
+      </p:pic>
+    </p:spTree>
+    <p:extLst>
+      <p:ext uri="{BB962C8B-B14F-4D97-AF65-F5344CB8AC3E}">
+        <p14:creationId xmlns:p14="http://schemas.microsoft.com/office/powerpoint/2010/main" val="2291655928"/>
+      </p:ext>
+    </p:extLst>
+  </p:cSld>
+  <p:clrMapOvr>
+    <a:masterClrMapping/>
+  </p:clrMapOvr>
+</p:sld>
+</file>
+
+<file path=ppt/slides/slide4.xml><?xml version="1.0" encoding="utf-8"?>
+<p:sld xmlns:a="http://schemas.openxmlformats.org/drawingml/2006/main" xmlns:r="http://schemas.openxmlformats.org/officeDocument/2006/relationships" xmlns:p="http://schemas.openxmlformats.org/presentationml/2006/main">
+  <p:cSld>
+    <p:spTree>
+      <p:nvGrpSpPr>
+        <p:cNvPr id="1" name=""/>
+        <p:cNvGrpSpPr/>
+        <p:nvPr/>
+      </p:nvGrpSpPr>
+      <p:grpSpPr>
+        <a:xfrm>
+          <a:off x="0" y="0"/>
+          <a:ext cx="0" cy="0"/>
+          <a:chOff x="0" y="0"/>
+          <a:chExt cx="0" cy="0"/>
+        </a:xfrm>
+      </p:grpSpPr>
+      <p:sp>
+        <p:nvSpPr>
+          <p:cNvPr id="4" name="CasellaDiTesto 3">
+            <a:extLst>
+              <a:ext uri="{FF2B5EF4-FFF2-40B4-BE49-F238E27FC236}">
+                <a16:creationId xmlns:a16="http://schemas.microsoft.com/office/drawing/2014/main" id="{5A9F7DCD-4EBF-3F51-9A1E-D2DE8AC7DA9C}"/>
+              </a:ext>
+            </a:extLst>
+          </p:cNvPr>
+          <p:cNvSpPr txBox="1"/>
+          <p:nvPr/>
+        </p:nvSpPr>
+        <p:spPr>
+          <a:xfrm>
+            <a:off x="141780" y="385580"/>
+            <a:ext cx="3184126" cy="307777"/>
+          </a:xfrm>
+          <a:prstGeom prst="rect">
+            <a:avLst/>
+          </a:prstGeom>
+          <a:noFill/>
+        </p:spPr>
+        <p:txBody>
+          <a:bodyPr wrap="square" rtlCol="0">
+            <a:spAutoFit/>
+          </a:bodyPr>
+          <a:lstStyle/>
+          <a:p>
+            <a:pPr algn="ctr"/>
+            <a:r>
+              <a:rPr lang="it-IT" sz="1400" b="1" dirty="0">
+                <a:solidFill>
+                  <a:srgbClr val="F48C06"/>
+                </a:solidFill>
+              </a:rPr>
+              <a:t>NON-FUNCTIONAL REQUIREMENTS</a:t>
+            </a:r>
+            <a:endParaRPr lang="it-IT" sz="1600" b="1" dirty="0">
+              <a:solidFill>
+                <a:srgbClr val="F48C06"/>
+              </a:solidFill>
+            </a:endParaRPr>
+          </a:p>
+        </p:txBody>
+      </p:sp>
+      <p:sp>
+        <p:nvSpPr>
+          <p:cNvPr id="2" name="Segnaposto contenuto 2">
+            <a:extLst>
+              <a:ext uri="{FF2B5EF4-FFF2-40B4-BE49-F238E27FC236}">
+                <a16:creationId xmlns:a16="http://schemas.microsoft.com/office/drawing/2014/main" id="{922222C4-CBE0-51CF-F697-D89EAD9EEB3B}"/>
+              </a:ext>
+            </a:extLst>
+          </p:cNvPr>
+          <p:cNvSpPr>
+            <a:spLocks noGrp="1"/>
+          </p:cNvSpPr>
+          <p:nvPr>
+            <p:ph idx="1"/>
+          </p:nvPr>
+        </p:nvSpPr>
+        <p:spPr>
+          <a:xfrm>
+            <a:off x="2728557" y="1230316"/>
+            <a:ext cx="8074815" cy="2800395"/>
+          </a:xfrm>
+        </p:spPr>
+        <p:txBody>
+          <a:bodyPr anchor="t">
+            <a:normAutofit/>
+          </a:bodyPr>
+          <a:lstStyle/>
+          <a:p>
+            <a:r>
+              <a:rPr lang="it-IT" sz="1500" dirty="0" err="1"/>
+              <a:t>Perfomance</a:t>
+            </a:r>
+            <a:r>
+              <a:rPr lang="it-IT" sz="1500" dirty="0"/>
+              <a:t>: The system </a:t>
+            </a:r>
+            <a:r>
+              <a:rPr lang="it-IT" sz="1500" dirty="0" err="1"/>
+              <a:t>ensures</a:t>
+            </a:r>
+            <a:r>
+              <a:rPr lang="it-IT" sz="1500" dirty="0"/>
+              <a:t> </a:t>
+            </a:r>
+            <a:r>
+              <a:rPr lang="it-IT" sz="1500" dirty="0" err="1"/>
+              <a:t>rapid</a:t>
+            </a:r>
+            <a:r>
+              <a:rPr lang="it-IT" sz="1500" dirty="0"/>
+              <a:t> </a:t>
+            </a:r>
+            <a:r>
+              <a:rPr lang="it-IT" sz="1500" dirty="0" err="1"/>
+              <a:t>response</a:t>
+            </a:r>
+            <a:r>
+              <a:rPr lang="it-IT" sz="1500" dirty="0"/>
+              <a:t> times, processing </a:t>
+            </a:r>
+            <a:r>
+              <a:rPr lang="it-IT" sz="1500" dirty="0" err="1"/>
+              <a:t>requests</a:t>
+            </a:r>
+            <a:r>
+              <a:rPr lang="it-IT" sz="1500" dirty="0"/>
+              <a:t> </a:t>
+            </a:r>
+            <a:r>
+              <a:rPr lang="it-IT" sz="1500" dirty="0" err="1"/>
+              <a:t>within</a:t>
+            </a:r>
+            <a:r>
+              <a:rPr lang="it-IT" sz="1500" dirty="0"/>
+              <a:t> 1.5 seconds. </a:t>
+            </a:r>
+            <a:r>
+              <a:rPr lang="it-IT" sz="1500" dirty="0" err="1"/>
+              <a:t>This</a:t>
+            </a:r>
+            <a:r>
+              <a:rPr lang="it-IT" sz="1500" dirty="0"/>
+              <a:t> </a:t>
+            </a:r>
+            <a:r>
+              <a:rPr lang="it-IT" sz="1500" dirty="0" err="1"/>
+              <a:t>was</a:t>
+            </a:r>
+            <a:r>
+              <a:rPr lang="it-IT" sz="1500" dirty="0"/>
+              <a:t> </a:t>
+            </a:r>
+            <a:r>
+              <a:rPr lang="it-IT" sz="1500" dirty="0" err="1"/>
+              <a:t>achived</a:t>
+            </a:r>
+            <a:r>
+              <a:rPr lang="it-IT" sz="1500" dirty="0"/>
+              <a:t> </a:t>
+            </a:r>
+            <a:r>
+              <a:rPr lang="it-IT" sz="1500" dirty="0" err="1"/>
+              <a:t>through</a:t>
+            </a:r>
+            <a:r>
+              <a:rPr lang="it-IT" sz="1500" dirty="0"/>
+              <a:t> the </a:t>
+            </a:r>
+            <a:r>
+              <a:rPr lang="it-IT" sz="1500" dirty="0" err="1"/>
+              <a:t>implementation</a:t>
+            </a:r>
+            <a:r>
+              <a:rPr lang="it-IT" sz="1500" dirty="0"/>
+              <a:t> of </a:t>
+            </a:r>
+            <a:r>
+              <a:rPr lang="it-IT" sz="1500" dirty="0" err="1"/>
+              <a:t>efficient</a:t>
+            </a:r>
+            <a:r>
+              <a:rPr lang="it-IT" sz="1500" dirty="0"/>
+              <a:t> indexes for database browsing and the </a:t>
+            </a:r>
+            <a:r>
+              <a:rPr lang="it-IT" sz="1500" dirty="0" err="1"/>
+              <a:t>inclusion</a:t>
+            </a:r>
+            <a:r>
+              <a:rPr lang="it-IT" sz="1500" dirty="0"/>
+              <a:t> of </a:t>
+            </a:r>
+            <a:r>
+              <a:rPr lang="it-IT" sz="1500" dirty="0" err="1"/>
+              <a:t>redundancies</a:t>
+            </a:r>
+            <a:r>
+              <a:rPr lang="it-IT" sz="1500" dirty="0"/>
+              <a:t>.</a:t>
+            </a:r>
+          </a:p>
+          <a:p>
+            <a:r>
+              <a:rPr lang="it-IT" sz="1500" dirty="0" err="1"/>
+              <a:t>Availability</a:t>
+            </a:r>
+            <a:r>
+              <a:rPr lang="it-IT" sz="1500" dirty="0"/>
+              <a:t>: High </a:t>
+            </a:r>
+            <a:r>
+              <a:rPr lang="it-IT" sz="1500" dirty="0" err="1"/>
+              <a:t>availability</a:t>
+            </a:r>
+            <a:r>
+              <a:rPr lang="it-IT" sz="1500" dirty="0"/>
+              <a:t> </a:t>
+            </a:r>
+            <a:r>
+              <a:rPr lang="it-IT" sz="1500" dirty="0" err="1"/>
+              <a:t>is</a:t>
+            </a:r>
+            <a:r>
+              <a:rPr lang="it-IT" sz="1500" dirty="0"/>
+              <a:t> </a:t>
+            </a:r>
+            <a:r>
+              <a:rPr lang="it-IT" sz="1500" dirty="0" err="1"/>
+              <a:t>guaranteed</a:t>
+            </a:r>
+            <a:r>
+              <a:rPr lang="it-IT" sz="1500" dirty="0"/>
+              <a:t> </a:t>
+            </a:r>
+            <a:r>
+              <a:rPr lang="it-IT" sz="1500" dirty="0" err="1"/>
+              <a:t>through</a:t>
+            </a:r>
+            <a:r>
+              <a:rPr lang="it-IT" sz="1500" dirty="0"/>
+              <a:t> the use of </a:t>
+            </a:r>
+            <a:r>
+              <a:rPr lang="it-IT" sz="1500" dirty="0" err="1"/>
+              <a:t>replicas</a:t>
+            </a:r>
+            <a:r>
+              <a:rPr lang="it-IT" sz="1500" dirty="0"/>
+              <a:t>.</a:t>
+            </a:r>
+          </a:p>
+          <a:p>
+            <a:r>
+              <a:rPr lang="it-IT" sz="1500" dirty="0"/>
+              <a:t>Security: </a:t>
+            </a:r>
+            <a:r>
+              <a:rPr lang="it-IT" sz="1500" dirty="0" err="1"/>
+              <a:t>Rigorous</a:t>
+            </a:r>
+            <a:r>
+              <a:rPr lang="it-IT" sz="1500" dirty="0"/>
+              <a:t> security </a:t>
+            </a:r>
+            <a:r>
+              <a:rPr lang="it-IT" sz="1500" dirty="0" err="1"/>
+              <a:t>is</a:t>
+            </a:r>
+            <a:r>
+              <a:rPr lang="it-IT" sz="1500" dirty="0"/>
+              <a:t> </a:t>
+            </a:r>
+            <a:r>
+              <a:rPr lang="it-IT" sz="1500" dirty="0" err="1"/>
+              <a:t>achieved</a:t>
+            </a:r>
+            <a:r>
+              <a:rPr lang="it-IT" sz="1500" dirty="0"/>
+              <a:t> </a:t>
+            </a:r>
+            <a:r>
+              <a:rPr lang="it-IT" sz="1500" dirty="0" err="1"/>
+              <a:t>including</a:t>
+            </a:r>
+            <a:r>
+              <a:rPr lang="it-IT" sz="1500" dirty="0"/>
+              <a:t> the </a:t>
+            </a:r>
+            <a:r>
+              <a:rPr lang="it-IT" sz="1500" dirty="0" err="1"/>
+              <a:t>hashing</a:t>
+            </a:r>
+            <a:r>
+              <a:rPr lang="it-IT" sz="1500" dirty="0"/>
+              <a:t> of passwords </a:t>
+            </a:r>
+            <a:r>
+              <a:rPr lang="it-IT" sz="1500" dirty="0" err="1"/>
+              <a:t>before</a:t>
+            </a:r>
+            <a:r>
+              <a:rPr lang="it-IT" sz="1500" dirty="0"/>
+              <a:t> storage in the database.</a:t>
+            </a:r>
+          </a:p>
+          <a:p>
+            <a:r>
+              <a:rPr lang="it-IT" sz="1500" dirty="0"/>
+              <a:t>Reliability: </a:t>
+            </a:r>
+            <a:r>
+              <a:rPr lang="it-IT" sz="1500" dirty="0" err="1"/>
+              <a:t>Consistency</a:t>
+            </a:r>
+            <a:r>
+              <a:rPr lang="it-IT" sz="1500" dirty="0"/>
+              <a:t> </a:t>
+            </a:r>
+            <a:r>
+              <a:rPr lang="it-IT" sz="1500" dirty="0" err="1"/>
+              <a:t>across</a:t>
+            </a:r>
+            <a:r>
+              <a:rPr lang="it-IT" sz="1500" dirty="0"/>
+              <a:t> databases </a:t>
+            </a:r>
+            <a:r>
+              <a:rPr lang="it-IT" sz="1500" dirty="0" err="1"/>
+              <a:t>is</a:t>
+            </a:r>
+            <a:r>
+              <a:rPr lang="it-IT" sz="1500" dirty="0"/>
+              <a:t> </a:t>
+            </a:r>
+            <a:r>
+              <a:rPr lang="it-IT" sz="1500" dirty="0" err="1"/>
+              <a:t>manage</a:t>
+            </a:r>
+            <a:r>
+              <a:rPr lang="it-IT" sz="1500" dirty="0"/>
+              <a:t> to </a:t>
+            </a:r>
+            <a:r>
+              <a:rPr lang="it-IT" sz="1500" dirty="0" err="1"/>
+              <a:t>ensure</a:t>
+            </a:r>
+            <a:r>
+              <a:rPr lang="it-IT" sz="1500" dirty="0"/>
+              <a:t> </a:t>
+            </a:r>
+            <a:r>
+              <a:rPr lang="it-IT" sz="1500" dirty="0" err="1"/>
+              <a:t>reliable</a:t>
+            </a:r>
+            <a:r>
+              <a:rPr lang="it-IT" sz="1500" dirty="0"/>
+              <a:t> data.</a:t>
+            </a:r>
+          </a:p>
+          <a:p>
+            <a:r>
+              <a:rPr lang="it-IT" sz="1500" dirty="0" err="1"/>
+              <a:t>Usability</a:t>
+            </a:r>
+            <a:r>
+              <a:rPr lang="it-IT" sz="1500" dirty="0"/>
+              <a:t>: </a:t>
+            </a:r>
+            <a:r>
+              <a:rPr lang="it-IT" sz="1500" dirty="0" err="1"/>
+              <a:t>Achieved</a:t>
+            </a:r>
+            <a:r>
+              <a:rPr lang="it-IT" sz="1500" dirty="0"/>
+              <a:t> by </a:t>
+            </a:r>
+            <a:r>
+              <a:rPr lang="it-IT" sz="1500" dirty="0" err="1"/>
+              <a:t>implementing</a:t>
+            </a:r>
+            <a:r>
+              <a:rPr lang="it-IT" sz="1500" dirty="0"/>
+              <a:t> an easy to use user </a:t>
+            </a:r>
+            <a:r>
+              <a:rPr lang="it-IT" sz="1500" dirty="0" err="1"/>
+              <a:t>interface</a:t>
+            </a:r>
+            <a:endParaRPr lang="it-IT" sz="1500" dirty="0"/>
+          </a:p>
+          <a:p>
+            <a:r>
+              <a:rPr lang="it-IT" sz="1500" dirty="0"/>
+              <a:t>Back-End </a:t>
+            </a:r>
+            <a:r>
+              <a:rPr lang="it-IT" sz="1500" dirty="0" err="1"/>
+              <a:t>wrote</a:t>
+            </a:r>
+            <a:r>
+              <a:rPr lang="it-IT" sz="1500" dirty="0"/>
+              <a:t> in Java </a:t>
+            </a:r>
+          </a:p>
+        </p:txBody>
+      </p:sp>
+      <p:sp>
+        <p:nvSpPr>
+          <p:cNvPr id="5" name="CasellaDiTesto 4">
+            <a:extLst>
+              <a:ext uri="{FF2B5EF4-FFF2-40B4-BE49-F238E27FC236}">
+                <a16:creationId xmlns:a16="http://schemas.microsoft.com/office/drawing/2014/main" id="{2E8AD409-53D6-190D-C290-E5E348E8A849}"/>
+              </a:ext>
+            </a:extLst>
+          </p:cNvPr>
+          <p:cNvSpPr txBox="1"/>
+          <p:nvPr/>
+        </p:nvSpPr>
+        <p:spPr>
+          <a:xfrm>
+            <a:off x="949245" y="4193788"/>
+            <a:ext cx="2295980" cy="338554"/>
+          </a:xfrm>
+          <a:prstGeom prst="rect">
+            <a:avLst/>
+          </a:prstGeom>
+          <a:noFill/>
+        </p:spPr>
+        <p:txBody>
+          <a:bodyPr wrap="square" rtlCol="0">
+            <a:spAutoFit/>
+          </a:bodyPr>
+          <a:lstStyle/>
+          <a:p>
+            <a:pPr algn="ctr"/>
+            <a:r>
+              <a:rPr lang="it-IT" sz="1600" b="1" dirty="0">
+                <a:solidFill>
+                  <a:srgbClr val="9D0208"/>
+                </a:solidFill>
+              </a:rPr>
+              <a:t>PERFORMANCE</a:t>
+            </a:r>
+          </a:p>
+        </p:txBody>
+      </p:sp>
+      <p:sp>
+        <p:nvSpPr>
+          <p:cNvPr id="6" name="CasellaDiTesto 5">
+            <a:extLst>
+              <a:ext uri="{FF2B5EF4-FFF2-40B4-BE49-F238E27FC236}">
+                <a16:creationId xmlns:a16="http://schemas.microsoft.com/office/drawing/2014/main" id="{3AC1D8E3-1F02-47CF-A273-3ED4F1200963}"/>
+              </a:ext>
+            </a:extLst>
+          </p:cNvPr>
+          <p:cNvSpPr txBox="1"/>
+          <p:nvPr/>
+        </p:nvSpPr>
+        <p:spPr>
+          <a:xfrm>
+            <a:off x="254480" y="4958221"/>
+            <a:ext cx="2627674" cy="338554"/>
+          </a:xfrm>
+          <a:prstGeom prst="rect">
+            <a:avLst/>
+          </a:prstGeom>
+          <a:noFill/>
+        </p:spPr>
+        <p:txBody>
+          <a:bodyPr wrap="square" rtlCol="0">
+            <a:spAutoFit/>
+          </a:bodyPr>
+          <a:lstStyle/>
+          <a:p>
+            <a:pPr algn="ctr"/>
+            <a:r>
+              <a:rPr lang="it-IT" sz="1600" b="1" dirty="0">
+                <a:solidFill>
+                  <a:srgbClr val="9D0208"/>
+                </a:solidFill>
+              </a:rPr>
+              <a:t>AVAILABILITY</a:t>
+            </a:r>
+          </a:p>
+        </p:txBody>
+      </p:sp>
+      <p:sp>
+        <p:nvSpPr>
+          <p:cNvPr id="7" name="CasellaDiTesto 6">
+            <a:extLst>
+              <a:ext uri="{FF2B5EF4-FFF2-40B4-BE49-F238E27FC236}">
+                <a16:creationId xmlns:a16="http://schemas.microsoft.com/office/drawing/2014/main" id="{8C34A99D-C150-2DC8-1A09-C50A3871BA15}"/>
+              </a:ext>
+            </a:extLst>
+          </p:cNvPr>
+          <p:cNvSpPr txBox="1"/>
+          <p:nvPr/>
+        </p:nvSpPr>
+        <p:spPr>
+          <a:xfrm>
+            <a:off x="3411072" y="4627944"/>
+            <a:ext cx="2254622" cy="338554"/>
+          </a:xfrm>
+          <a:prstGeom prst="rect">
+            <a:avLst/>
+          </a:prstGeom>
+          <a:noFill/>
+        </p:spPr>
+        <p:txBody>
+          <a:bodyPr wrap="square" rtlCol="0">
+            <a:spAutoFit/>
+          </a:bodyPr>
+          <a:lstStyle/>
+          <a:p>
+            <a:pPr algn="ctr"/>
+            <a:r>
+              <a:rPr lang="it-IT" sz="1600" b="1" dirty="0">
+                <a:solidFill>
+                  <a:srgbClr val="9D0208"/>
+                </a:solidFill>
+              </a:rPr>
+              <a:t>SECURITY</a:t>
+            </a:r>
+          </a:p>
+        </p:txBody>
+      </p:sp>
+      <p:sp>
+        <p:nvSpPr>
+          <p:cNvPr id="8" name="CasellaDiTesto 7">
+            <a:extLst>
+              <a:ext uri="{FF2B5EF4-FFF2-40B4-BE49-F238E27FC236}">
+                <a16:creationId xmlns:a16="http://schemas.microsoft.com/office/drawing/2014/main" id="{62CCEC86-E849-A7E4-39E4-E69D10515967}"/>
+              </a:ext>
+            </a:extLst>
+          </p:cNvPr>
+          <p:cNvSpPr txBox="1"/>
+          <p:nvPr/>
+        </p:nvSpPr>
+        <p:spPr>
+          <a:xfrm>
+            <a:off x="5398997" y="4367838"/>
+            <a:ext cx="2254622" cy="338554"/>
+          </a:xfrm>
+          <a:prstGeom prst="rect">
+            <a:avLst/>
+          </a:prstGeom>
+          <a:noFill/>
+        </p:spPr>
+        <p:txBody>
+          <a:bodyPr wrap="square" rtlCol="0">
+            <a:spAutoFit/>
+          </a:bodyPr>
+          <a:lstStyle/>
+          <a:p>
+            <a:pPr algn="ctr"/>
+            <a:r>
+              <a:rPr lang="it-IT" sz="1600" b="1" dirty="0">
+                <a:solidFill>
+                  <a:srgbClr val="9D0208"/>
+                </a:solidFill>
+              </a:rPr>
+              <a:t>RELIABILITY</a:t>
+            </a:r>
+          </a:p>
+        </p:txBody>
+      </p:sp>
+      <p:sp>
+        <p:nvSpPr>
+          <p:cNvPr id="9" name="CasellaDiTesto 8">
+            <a:extLst>
+              <a:ext uri="{FF2B5EF4-FFF2-40B4-BE49-F238E27FC236}">
+                <a16:creationId xmlns:a16="http://schemas.microsoft.com/office/drawing/2014/main" id="{B6E8AFE0-B337-AE17-9554-E06EE829C593}"/>
+              </a:ext>
+            </a:extLst>
+          </p:cNvPr>
+          <p:cNvSpPr txBox="1"/>
+          <p:nvPr/>
+        </p:nvSpPr>
+        <p:spPr>
+          <a:xfrm>
+            <a:off x="2386854" y="5722654"/>
+            <a:ext cx="1878104" cy="338554"/>
+          </a:xfrm>
+          <a:prstGeom prst="rect">
+            <a:avLst/>
+          </a:prstGeom>
+          <a:noFill/>
+        </p:spPr>
+        <p:txBody>
+          <a:bodyPr wrap="square" rtlCol="0">
+            <a:spAutoFit/>
+          </a:bodyPr>
+          <a:lstStyle/>
+          <a:p>
+            <a:pPr algn="ctr"/>
+            <a:r>
+              <a:rPr lang="it-IT" sz="1600" b="1" dirty="0">
+                <a:solidFill>
+                  <a:srgbClr val="9D0208"/>
+                </a:solidFill>
+              </a:rPr>
+              <a:t>USABILITY</a:t>
+            </a:r>
+          </a:p>
+        </p:txBody>
+      </p:sp>
+      <p:sp>
+        <p:nvSpPr>
+          <p:cNvPr id="10" name="CasellaDiTesto 9">
+            <a:extLst>
+              <a:ext uri="{FF2B5EF4-FFF2-40B4-BE49-F238E27FC236}">
+                <a16:creationId xmlns:a16="http://schemas.microsoft.com/office/drawing/2014/main" id="{1CCBE808-DAF8-D1DC-7D04-01EEAC57DF7F}"/>
+              </a:ext>
+            </a:extLst>
+          </p:cNvPr>
+          <p:cNvSpPr txBox="1"/>
+          <p:nvPr/>
+        </p:nvSpPr>
+        <p:spPr>
+          <a:xfrm>
+            <a:off x="9361246" y="4717077"/>
+            <a:ext cx="1878104" cy="338554"/>
+          </a:xfrm>
+          <a:prstGeom prst="rect">
+            <a:avLst/>
+          </a:prstGeom>
+          <a:noFill/>
+        </p:spPr>
+        <p:txBody>
+          <a:bodyPr wrap="square" rtlCol="0">
+            <a:spAutoFit/>
+          </a:bodyPr>
+          <a:lstStyle/>
+          <a:p>
+            <a:pPr algn="ctr"/>
+            <a:r>
+              <a:rPr lang="it-IT" sz="1600" b="1" dirty="0">
+                <a:solidFill>
+                  <a:srgbClr val="9D0208"/>
+                </a:solidFill>
+              </a:rPr>
+              <a:t>BACK-END</a:t>
+            </a:r>
+          </a:p>
+        </p:txBody>
+      </p:sp>
+      <p:pic>
+        <p:nvPicPr>
+          <p:cNvPr id="12" name="Immagine 11" descr="Immagine che contiene clipart, Elementi grafici, design&#10;&#10;Descrizione generata automaticamente">
+            <a:extLst>
+              <a:ext uri="{FF2B5EF4-FFF2-40B4-BE49-F238E27FC236}">
+                <a16:creationId xmlns:a16="http://schemas.microsoft.com/office/drawing/2014/main" id="{B7864EFE-F9BD-5CF9-08AB-05AADA8B8ECE}"/>
+              </a:ext>
+            </a:extLst>
+          </p:cNvPr>
+          <p:cNvPicPr>
+            <a:picLocks noChangeAspect="1"/>
+          </p:cNvPicPr>
+          <p:nvPr/>
+        </p:nvPicPr>
+        <p:blipFill>
+          <a:blip r:embed="rId2">
+            <a:extLst>
+              <a:ext uri="{28A0092B-C50C-407E-A947-70E740481C1C}">
+                <a14:useLocalDpi xmlns:a14="http://schemas.microsoft.com/office/drawing/2010/main" val="0"/>
+              </a:ext>
+            </a:extLst>
+          </a:blip>
+          <a:stretch>
+            <a:fillRect/>
+          </a:stretch>
+        </p:blipFill>
+        <p:spPr>
+          <a:xfrm>
+            <a:off x="9807390" y="3607057"/>
+            <a:ext cx="985813" cy="985813"/>
+          </a:xfrm>
+          <a:prstGeom prst="rect">
+            <a:avLst/>
+          </a:prstGeom>
+        </p:spPr>
+      </p:pic>
+      <p:sp>
+        <p:nvSpPr>
+          <p:cNvPr id="13" name="CasellaDiTesto 12">
+            <a:extLst>
+              <a:ext uri="{FF2B5EF4-FFF2-40B4-BE49-F238E27FC236}">
+                <a16:creationId xmlns:a16="http://schemas.microsoft.com/office/drawing/2014/main" id="{B448585B-B42D-984F-6DCB-AA7632140164}"/>
+              </a:ext>
+            </a:extLst>
+          </p:cNvPr>
+          <p:cNvSpPr txBox="1"/>
+          <p:nvPr/>
+        </p:nvSpPr>
+        <p:spPr>
+          <a:xfrm>
+            <a:off x="9361245" y="4958221"/>
+            <a:ext cx="1878104" cy="292388"/>
+          </a:xfrm>
+          <a:prstGeom prst="rect">
+            <a:avLst/>
+          </a:prstGeom>
+          <a:noFill/>
+        </p:spPr>
+        <p:txBody>
+          <a:bodyPr wrap="square" rtlCol="0">
+            <a:spAutoFit/>
+          </a:bodyPr>
+          <a:lstStyle/>
+          <a:p>
+            <a:pPr algn="ctr"/>
+            <a:r>
+              <a:rPr lang="it-IT" sz="1300" dirty="0">
+                <a:solidFill>
+                  <a:srgbClr val="9D0208"/>
+                </a:solidFill>
+              </a:rPr>
+              <a:t>JAVA</a:t>
+            </a:r>
+          </a:p>
+        </p:txBody>
+      </p:sp>
+    </p:spTree>
+    <p:extLst>
+      <p:ext uri="{BB962C8B-B14F-4D97-AF65-F5344CB8AC3E}">
+        <p14:creationId xmlns:p14="http://schemas.microsoft.com/office/powerpoint/2010/main" val="620559114"/>
+      </p:ext>
+    </p:extLst>
+  </p:cSld>
+  <p:clrMapOvr>
+    <a:masterClrMapping/>
+  </p:clrMapOvr>
+</p:sld>
+</file>
+
+<file path=ppt/slides/slide5.xml><?xml version="1.0" encoding="utf-8"?>
+<p:sld xmlns:a="http://schemas.openxmlformats.org/drawingml/2006/main" xmlns:r="http://schemas.openxmlformats.org/officeDocument/2006/relationships" xmlns:p="http://schemas.openxmlformats.org/presentationml/2006/main">
+  <p:cSld>
+    <p:spTree>
+      <p:nvGrpSpPr>
+        <p:cNvPr id="1" name=""/>
+        <p:cNvGrpSpPr/>
+        <p:nvPr/>
+      </p:nvGrpSpPr>
+      <p:grpSpPr>
+        <a:xfrm>
+          <a:off x="0" y="0"/>
+          <a:ext cx="0" cy="0"/>
+          <a:chOff x="0" y="0"/>
+          <a:chExt cx="0" cy="0"/>
+        </a:xfrm>
+      </p:grpSpPr>
+      <p:sp>
+        <p:nvSpPr>
+          <p:cNvPr id="4" name="CasellaDiTesto 3">
+            <a:extLst>
+              <a:ext uri="{FF2B5EF4-FFF2-40B4-BE49-F238E27FC236}">
+                <a16:creationId xmlns:a16="http://schemas.microsoft.com/office/drawing/2014/main" id="{ECE28A20-1E01-DAFA-0609-411CC3979D12}"/>
+              </a:ext>
+            </a:extLst>
+          </p:cNvPr>
+          <p:cNvSpPr txBox="1"/>
+          <p:nvPr/>
+        </p:nvSpPr>
+        <p:spPr>
+          <a:xfrm>
+            <a:off x="-136126" y="403510"/>
+            <a:ext cx="3184126" cy="307777"/>
+          </a:xfrm>
+          <a:prstGeom prst="rect">
+            <a:avLst/>
+          </a:prstGeom>
+          <a:noFill/>
+        </p:spPr>
+        <p:txBody>
+          <a:bodyPr wrap="square" rtlCol="0">
+            <a:spAutoFit/>
+          </a:bodyPr>
+          <a:lstStyle/>
+          <a:p>
+            <a:pPr algn="ctr"/>
+            <a:r>
+              <a:rPr lang="it-IT" sz="1400" b="1" dirty="0">
+                <a:solidFill>
+                  <a:srgbClr val="F48C06"/>
+                </a:solidFill>
+              </a:rPr>
+              <a:t>CAP THEOREM</a:t>
+            </a:r>
+            <a:endParaRPr lang="it-IT" sz="1600" b="1" dirty="0">
+              <a:solidFill>
+                <a:srgbClr val="F48C06"/>
+              </a:solidFill>
+            </a:endParaRPr>
+          </a:p>
+        </p:txBody>
+      </p:sp>
+      <p:sp>
+        <p:nvSpPr>
+          <p:cNvPr id="5" name="Triangolo isoscele 4">
+            <a:extLst>
+              <a:ext uri="{FF2B5EF4-FFF2-40B4-BE49-F238E27FC236}">
+                <a16:creationId xmlns:a16="http://schemas.microsoft.com/office/drawing/2014/main" id="{E8C31D90-3321-4EE6-3A2A-94326FBB29FB}"/>
+              </a:ext>
+            </a:extLst>
+          </p:cNvPr>
+          <p:cNvSpPr/>
+          <p:nvPr/>
+        </p:nvSpPr>
+        <p:spPr>
+          <a:xfrm>
+            <a:off x="4213412" y="1048871"/>
+            <a:ext cx="3765176" cy="3245841"/>
+          </a:xfrm>
+          <a:prstGeom prst="triangle">
+            <a:avLst/>
+          </a:prstGeom>
+          <a:solidFill>
+            <a:srgbClr val="6A040F"/>
+          </a:solidFill>
+          <a:ln>
+            <a:noFill/>
+          </a:ln>
+        </p:spPr>
+        <p:style>
+          <a:lnRef idx="2">
+            <a:schemeClr val="accent1">
+              <a:shade val="15000"/>
+            </a:schemeClr>
+          </a:lnRef>
+          <a:fillRef idx="1">
+            <a:schemeClr val="accent1"/>
+          </a:fillRef>
+          <a:effectRef idx="0">
+            <a:schemeClr val="accent1"/>
+          </a:effectRef>
+          <a:fontRef idx="minor">
+            <a:schemeClr val="lt1"/>
+          </a:fontRef>
+        </p:style>
+        <p:txBody>
+          <a:bodyPr rtlCol="0" anchor="ctr"/>
+          <a:lstStyle/>
+          <a:p>
+            <a:pPr algn="ctr"/>
+            <a:endParaRPr lang="it-IT">
+              <a:solidFill>
+                <a:srgbClr val="9D0208"/>
+              </a:solidFill>
+            </a:endParaRPr>
+          </a:p>
+        </p:txBody>
+      </p:sp>
+      <p:sp>
+        <p:nvSpPr>
+          <p:cNvPr id="6" name="CasellaDiTesto 5">
+            <a:extLst>
+              <a:ext uri="{FF2B5EF4-FFF2-40B4-BE49-F238E27FC236}">
+                <a16:creationId xmlns:a16="http://schemas.microsoft.com/office/drawing/2014/main" id="{A0271A67-D82E-1114-F688-62A296542586}"/>
+              </a:ext>
+            </a:extLst>
+          </p:cNvPr>
+          <p:cNvSpPr txBox="1"/>
+          <p:nvPr/>
+        </p:nvSpPr>
+        <p:spPr>
+          <a:xfrm>
+            <a:off x="5828886" y="587206"/>
+            <a:ext cx="534228" cy="461665"/>
+          </a:xfrm>
+          <a:prstGeom prst="rect">
+            <a:avLst/>
+          </a:prstGeom>
+          <a:noFill/>
+        </p:spPr>
+        <p:txBody>
+          <a:bodyPr wrap="square" rtlCol="0">
+            <a:spAutoFit/>
+          </a:bodyPr>
+          <a:lstStyle/>
+          <a:p>
+            <a:pPr algn="ctr"/>
+            <a:r>
+              <a:rPr lang="it-IT" sz="2400" b="1" dirty="0">
+                <a:solidFill>
+                  <a:srgbClr val="9D0208"/>
+                </a:solidFill>
+              </a:rPr>
+              <a:t>C</a:t>
+            </a:r>
+          </a:p>
+        </p:txBody>
+      </p:sp>
+      <p:sp>
+        <p:nvSpPr>
+          <p:cNvPr id="7" name="CasellaDiTesto 6">
+            <a:extLst>
+              <a:ext uri="{FF2B5EF4-FFF2-40B4-BE49-F238E27FC236}">
+                <a16:creationId xmlns:a16="http://schemas.microsoft.com/office/drawing/2014/main" id="{0AD3EA69-1CF3-8BAD-333C-77BFF00E7942}"/>
+              </a:ext>
+            </a:extLst>
+          </p:cNvPr>
+          <p:cNvSpPr txBox="1"/>
+          <p:nvPr/>
+        </p:nvSpPr>
+        <p:spPr>
+          <a:xfrm>
+            <a:off x="3747247" y="4146194"/>
+            <a:ext cx="534228" cy="461665"/>
+          </a:xfrm>
+          <a:prstGeom prst="rect">
+            <a:avLst/>
+          </a:prstGeom>
+          <a:noFill/>
+        </p:spPr>
+        <p:txBody>
+          <a:bodyPr wrap="square" rtlCol="0">
+            <a:spAutoFit/>
+          </a:bodyPr>
+          <a:lstStyle/>
+          <a:p>
+            <a:pPr algn="ctr"/>
+            <a:r>
+              <a:rPr lang="it-IT" sz="2400" b="1" dirty="0">
+                <a:solidFill>
+                  <a:srgbClr val="9D0208"/>
+                </a:solidFill>
+              </a:rPr>
+              <a:t>A</a:t>
+            </a:r>
+          </a:p>
+        </p:txBody>
+      </p:sp>
+      <p:sp>
+        <p:nvSpPr>
+          <p:cNvPr id="8" name="CasellaDiTesto 7">
+            <a:extLst>
+              <a:ext uri="{FF2B5EF4-FFF2-40B4-BE49-F238E27FC236}">
+                <a16:creationId xmlns:a16="http://schemas.microsoft.com/office/drawing/2014/main" id="{BE719D4D-0503-855A-4333-5925EC8B95C5}"/>
+              </a:ext>
+            </a:extLst>
+          </p:cNvPr>
+          <p:cNvSpPr txBox="1"/>
+          <p:nvPr/>
+        </p:nvSpPr>
+        <p:spPr>
+          <a:xfrm>
+            <a:off x="7978588" y="4178171"/>
+            <a:ext cx="534228" cy="461665"/>
+          </a:xfrm>
+          <a:prstGeom prst="rect">
+            <a:avLst/>
+          </a:prstGeom>
+          <a:noFill/>
+        </p:spPr>
+        <p:txBody>
+          <a:bodyPr wrap="square" rtlCol="0">
+            <a:spAutoFit/>
+          </a:bodyPr>
+          <a:lstStyle/>
+          <a:p>
+            <a:pPr algn="ctr"/>
+            <a:r>
+              <a:rPr lang="it-IT" sz="2400" b="1" dirty="0">
+                <a:solidFill>
+                  <a:srgbClr val="9D0208"/>
+                </a:solidFill>
+              </a:rPr>
+              <a:t>P</a:t>
+            </a:r>
+          </a:p>
+        </p:txBody>
+      </p:sp>
+      <p:pic>
+        <p:nvPicPr>
+          <p:cNvPr id="10" name="Immagine 9" descr="Immagine che contiene cerchio, Elementi grafici, Policromia, design&#10;&#10;Descrizione generata automaticamente">
+            <a:extLst>
+              <a:ext uri="{FF2B5EF4-FFF2-40B4-BE49-F238E27FC236}">
+                <a16:creationId xmlns:a16="http://schemas.microsoft.com/office/drawing/2014/main" id="{F1800720-F298-DB87-1F4B-516EDF14C278}"/>
+              </a:ext>
+            </a:extLst>
+          </p:cNvPr>
+          <p:cNvPicPr>
+            <a:picLocks noChangeAspect="1"/>
+          </p:cNvPicPr>
+          <p:nvPr/>
+        </p:nvPicPr>
+        <p:blipFill>
+          <a:blip r:embed="rId2">
+            <a:extLst>
+              <a:ext uri="{28A0092B-C50C-407E-A947-70E740481C1C}">
+                <a14:useLocalDpi xmlns:a14="http://schemas.microsoft.com/office/drawing/2010/main" val="0"/>
+              </a:ext>
+            </a:extLst>
+          </a:blip>
+          <a:stretch>
+            <a:fillRect/>
+          </a:stretch>
+        </p:blipFill>
+        <p:spPr>
+          <a:xfrm rot="10800000">
+            <a:off x="5862917" y="4392800"/>
+            <a:ext cx="534229" cy="534229"/>
+          </a:xfrm>
+          <a:prstGeom prst="rect">
+            <a:avLst/>
+          </a:prstGeom>
+        </p:spPr>
+      </p:pic>
+      <p:sp>
+        <p:nvSpPr>
+          <p:cNvPr id="11" name="CasellaDiTesto 10">
+            <a:extLst>
+              <a:ext uri="{FF2B5EF4-FFF2-40B4-BE49-F238E27FC236}">
+                <a16:creationId xmlns:a16="http://schemas.microsoft.com/office/drawing/2014/main" id="{638A206D-8D55-63CB-3BFD-5C3B3CAD8C72}"/>
+              </a:ext>
+            </a:extLst>
+          </p:cNvPr>
+          <p:cNvSpPr txBox="1"/>
+          <p:nvPr/>
+        </p:nvSpPr>
+        <p:spPr>
+          <a:xfrm>
+            <a:off x="4537968" y="4927030"/>
+            <a:ext cx="3184126" cy="307777"/>
+          </a:xfrm>
+          <a:prstGeom prst="rect">
+            <a:avLst/>
+          </a:prstGeom>
+          <a:noFill/>
+        </p:spPr>
+        <p:txBody>
+          <a:bodyPr wrap="square" rtlCol="0">
+            <a:spAutoFit/>
+          </a:bodyPr>
+          <a:lstStyle/>
+          <a:p>
+            <a:pPr algn="ctr"/>
+            <a:r>
+              <a:rPr lang="it-IT" sz="1400" b="1" dirty="0">
+                <a:solidFill>
+                  <a:srgbClr val="6A040F"/>
+                </a:solidFill>
+              </a:rPr>
+              <a:t>WE ARE HERE</a:t>
+            </a:r>
+            <a:endParaRPr lang="it-IT" sz="1600" b="1" dirty="0">
+              <a:solidFill>
+                <a:srgbClr val="6A040F"/>
+              </a:solidFill>
+            </a:endParaRPr>
+          </a:p>
+        </p:txBody>
+      </p:sp>
+    </p:spTree>
+    <p:extLst>
+      <p:ext uri="{BB962C8B-B14F-4D97-AF65-F5344CB8AC3E}">
+        <p14:creationId xmlns:p14="http://schemas.microsoft.com/office/powerpoint/2010/main" val="2502701030"/>
+      </p:ext>
+    </p:extLst>
+  </p:cSld>
+  <p:clrMapOvr>
+    <a:masterClrMapping/>
+  </p:clrMapOvr>
+</p:sld>
+</file>
+
+<file path=ppt/slides/slide6.xml><?xml version="1.0" encoding="utf-8"?>
+<p:sld xmlns:a="http://schemas.openxmlformats.org/drawingml/2006/main" xmlns:r="http://schemas.openxmlformats.org/officeDocument/2006/relationships" xmlns:p="http://schemas.openxmlformats.org/presentationml/2006/main">
+  <p:cSld>
+    <p:spTree>
+      <p:nvGrpSpPr>
+        <p:cNvPr id="1" name=""/>
+        <p:cNvGrpSpPr/>
+        <p:nvPr/>
+      </p:nvGrpSpPr>
+      <p:grpSpPr>
+        <a:xfrm>
+          <a:off x="0" y="0"/>
+          <a:ext cx="0" cy="0"/>
+          <a:chOff x="0" y="0"/>
+          <a:chExt cx="0" cy="0"/>
+        </a:xfrm>
+      </p:grpSpPr>
+      <p:sp>
+        <p:nvSpPr>
+          <p:cNvPr id="4" name="CasellaDiTesto 3">
+            <a:extLst>
+              <a:ext uri="{FF2B5EF4-FFF2-40B4-BE49-F238E27FC236}">
+                <a16:creationId xmlns:a16="http://schemas.microsoft.com/office/drawing/2014/main" id="{2F929D22-3FB2-6F48-3EB7-E93C3E3CA520}"/>
+              </a:ext>
+            </a:extLst>
+          </p:cNvPr>
+          <p:cNvSpPr txBox="1"/>
+          <p:nvPr/>
+        </p:nvSpPr>
+        <p:spPr>
+          <a:xfrm>
+            <a:off x="-136126" y="403510"/>
+            <a:ext cx="3184126" cy="307777"/>
+          </a:xfrm>
+          <a:prstGeom prst="rect">
+            <a:avLst/>
+          </a:prstGeom>
+          <a:noFill/>
+        </p:spPr>
+        <p:txBody>
+          <a:bodyPr wrap="square" rtlCol="0">
+            <a:spAutoFit/>
+          </a:bodyPr>
+          <a:lstStyle/>
+          <a:p>
+            <a:pPr algn="ctr"/>
+            <a:r>
+              <a:rPr lang="it-IT" sz="1400" b="1" dirty="0">
+                <a:solidFill>
+                  <a:srgbClr val="F48C06"/>
+                </a:solidFill>
+              </a:rPr>
+              <a:t>DOCUMENT DB</a:t>
+            </a:r>
+            <a:endParaRPr lang="it-IT" sz="1600" b="1" dirty="0">
+              <a:solidFill>
+                <a:srgbClr val="F48C06"/>
+              </a:solidFill>
+            </a:endParaRPr>
+          </a:p>
+        </p:txBody>
+      </p:sp>
+      <p:sp>
+        <p:nvSpPr>
+          <p:cNvPr id="6" name="CasellaDiTesto 5">
+            <a:extLst>
+              <a:ext uri="{FF2B5EF4-FFF2-40B4-BE49-F238E27FC236}">
+                <a16:creationId xmlns:a16="http://schemas.microsoft.com/office/drawing/2014/main" id="{D856F6FE-D42E-8CA8-0946-C20B731805D0}"/>
+              </a:ext>
+            </a:extLst>
+          </p:cNvPr>
+          <p:cNvSpPr txBox="1"/>
+          <p:nvPr/>
+        </p:nvSpPr>
+        <p:spPr>
+          <a:xfrm>
+            <a:off x="453841" y="2165953"/>
+            <a:ext cx="3992654" cy="3293209"/>
+          </a:xfrm>
+          <a:prstGeom prst="rect">
+            <a:avLst/>
+          </a:prstGeom>
+          <a:noFill/>
+          <a:ln w="28575">
+            <a:solidFill>
+              <a:srgbClr val="9D0208"/>
+            </a:solidFill>
+          </a:ln>
+        </p:spPr>
+        <p:txBody>
+          <a:bodyPr wrap="square">
+            <a:spAutoFit/>
+          </a:bodyPr>
+          <a:lstStyle/>
+          <a:p>
+            <a:r>
+              <a:rPr lang="it-IT" sz="1600" dirty="0">
+                <a:solidFill>
+                  <a:srgbClr val="6A040F"/>
+                </a:solidFill>
+                <a:latin typeface="Consolas" panose="020B0609020204030204" pitchFamily="49" charset="0"/>
+              </a:rPr>
+              <a:t>{</a:t>
+            </a:r>
+          </a:p>
+          <a:p>
+            <a:r>
+              <a:rPr lang="it-IT" sz="1600" dirty="0">
+                <a:solidFill>
+                  <a:srgbClr val="6A040F"/>
+                </a:solidFill>
+                <a:latin typeface="Consolas" panose="020B0609020204030204" pitchFamily="49" charset="0"/>
+              </a:rPr>
+              <a:t>  _id: </a:t>
+            </a:r>
+            <a:r>
+              <a:rPr lang="it-IT" sz="1600" dirty="0" err="1">
+                <a:solidFill>
+                  <a:srgbClr val="6A040F"/>
+                </a:solidFill>
+                <a:latin typeface="Consolas" panose="020B0609020204030204" pitchFamily="49" charset="0"/>
+              </a:rPr>
+              <a:t>ObjectId</a:t>
+            </a:r>
+            <a:r>
+              <a:rPr lang="it-IT" sz="1600" dirty="0">
+                <a:solidFill>
+                  <a:srgbClr val="6A040F"/>
+                </a:solidFill>
+                <a:latin typeface="Consolas" panose="020B0609020204030204" pitchFamily="49" charset="0"/>
+              </a:rPr>
+              <a:t>('...’),</a:t>
+            </a:r>
+          </a:p>
+          <a:p>
+            <a:r>
+              <a:rPr lang="it-IT" sz="1600" dirty="0">
+                <a:solidFill>
+                  <a:srgbClr val="6A040F"/>
+                </a:solidFill>
+                <a:latin typeface="Consolas" panose="020B0609020204030204" pitchFamily="49" charset="0"/>
+              </a:rPr>
+              <a:t>  </a:t>
+            </a:r>
+            <a:r>
+              <a:rPr lang="it-IT" sz="1600" dirty="0" err="1">
+                <a:solidFill>
+                  <a:srgbClr val="6A040F"/>
+                </a:solidFill>
+                <a:latin typeface="Consolas" panose="020B0609020204030204" pitchFamily="49" charset="0"/>
+              </a:rPr>
+              <a:t>type</a:t>
+            </a:r>
+            <a:r>
+              <a:rPr lang="it-IT" sz="1600" dirty="0">
+                <a:solidFill>
+                  <a:srgbClr val="6A040F"/>
+                </a:solidFill>
+                <a:latin typeface="Consolas" panose="020B0609020204030204" pitchFamily="49" charset="0"/>
+              </a:rPr>
+              <a:t>: "Admin", # </a:t>
+            </a:r>
+            <a:r>
+              <a:rPr lang="it-IT" sz="1600" dirty="0" err="1">
+                <a:solidFill>
+                  <a:srgbClr val="6A040F"/>
+                </a:solidFill>
+                <a:latin typeface="Consolas" panose="020B0609020204030204" pitchFamily="49" charset="0"/>
+              </a:rPr>
+              <a:t>Only</a:t>
+            </a:r>
+            <a:r>
+              <a:rPr lang="it-IT" sz="1600" dirty="0">
+                <a:solidFill>
+                  <a:srgbClr val="6A040F"/>
+                </a:solidFill>
+                <a:latin typeface="Consolas" panose="020B0609020204030204" pitchFamily="49" charset="0"/>
+              </a:rPr>
+              <a:t> for Admin</a:t>
+            </a:r>
+          </a:p>
+          <a:p>
+            <a:r>
+              <a:rPr lang="it-IT" sz="1600" dirty="0">
+                <a:solidFill>
+                  <a:srgbClr val="6A040F"/>
+                </a:solidFill>
+                <a:latin typeface="Consolas" panose="020B0609020204030204" pitchFamily="49" charset="0"/>
+              </a:rPr>
+              <a:t>  username: </a:t>
+            </a:r>
+            <a:r>
+              <a:rPr lang="it-IT" sz="1600" dirty="0" err="1">
+                <a:solidFill>
+                  <a:srgbClr val="6A040F"/>
+                </a:solidFill>
+                <a:latin typeface="Consolas" panose="020B0609020204030204" pitchFamily="49" charset="0"/>
+              </a:rPr>
+              <a:t>String</a:t>
+            </a:r>
+            <a:r>
+              <a:rPr lang="it-IT" sz="1600" dirty="0">
+                <a:solidFill>
+                  <a:srgbClr val="6A040F"/>
+                </a:solidFill>
+                <a:latin typeface="Consolas" panose="020B0609020204030204" pitchFamily="49" charset="0"/>
+              </a:rPr>
+              <a:t>, </a:t>
+            </a:r>
+          </a:p>
+          <a:p>
+            <a:r>
+              <a:rPr lang="it-IT" sz="1600" dirty="0">
+                <a:solidFill>
+                  <a:srgbClr val="6A040F"/>
+                </a:solidFill>
+                <a:latin typeface="Consolas" panose="020B0609020204030204" pitchFamily="49" charset="0"/>
+              </a:rPr>
+              <a:t>  password: </a:t>
+            </a:r>
+            <a:r>
+              <a:rPr lang="it-IT" sz="1600" dirty="0" err="1">
+                <a:solidFill>
+                  <a:srgbClr val="6A040F"/>
+                </a:solidFill>
+                <a:latin typeface="Consolas" panose="020B0609020204030204" pitchFamily="49" charset="0"/>
+              </a:rPr>
+              <a:t>String</a:t>
+            </a:r>
+            <a:r>
+              <a:rPr lang="it-IT" sz="1600" dirty="0">
+                <a:solidFill>
+                  <a:srgbClr val="6A040F"/>
+                </a:solidFill>
+                <a:latin typeface="Consolas" panose="020B0609020204030204" pitchFamily="49" charset="0"/>
+              </a:rPr>
+              <a:t>,</a:t>
+            </a:r>
+          </a:p>
+          <a:p>
+            <a:r>
+              <a:rPr lang="it-IT" sz="1600" dirty="0">
+                <a:solidFill>
+                  <a:srgbClr val="6A040F"/>
+                </a:solidFill>
+                <a:latin typeface="Consolas" panose="020B0609020204030204" pitchFamily="49" charset="0"/>
+              </a:rPr>
+              <a:t>  name: </a:t>
+            </a:r>
+            <a:r>
+              <a:rPr lang="it-IT" sz="1600" dirty="0" err="1">
+                <a:solidFill>
+                  <a:srgbClr val="6A040F"/>
+                </a:solidFill>
+                <a:latin typeface="Consolas" panose="020B0609020204030204" pitchFamily="49" charset="0"/>
+              </a:rPr>
+              <a:t>String</a:t>
+            </a:r>
+            <a:r>
+              <a:rPr lang="it-IT" sz="1600" dirty="0">
+                <a:solidFill>
+                  <a:srgbClr val="6A040F"/>
+                </a:solidFill>
+                <a:latin typeface="Consolas" panose="020B0609020204030204" pitchFamily="49" charset="0"/>
+              </a:rPr>
+              <a:t>, # Not for Admin</a:t>
+            </a:r>
+          </a:p>
+          <a:p>
+            <a:r>
+              <a:rPr lang="it-IT" sz="1600" dirty="0">
+                <a:solidFill>
+                  <a:srgbClr val="6A040F"/>
+                </a:solidFill>
+                <a:latin typeface="Consolas" panose="020B0609020204030204" pitchFamily="49" charset="0"/>
+              </a:rPr>
+              <a:t>  </a:t>
+            </a:r>
+            <a:r>
+              <a:rPr lang="it-IT" sz="1600" dirty="0" err="1">
+                <a:solidFill>
+                  <a:srgbClr val="6A040F"/>
+                </a:solidFill>
+                <a:latin typeface="Consolas" panose="020B0609020204030204" pitchFamily="49" charset="0"/>
+              </a:rPr>
+              <a:t>surname</a:t>
+            </a:r>
+            <a:r>
+              <a:rPr lang="it-IT" sz="1600" dirty="0">
+                <a:solidFill>
+                  <a:srgbClr val="6A040F"/>
+                </a:solidFill>
+                <a:latin typeface="Consolas" panose="020B0609020204030204" pitchFamily="49" charset="0"/>
+              </a:rPr>
+              <a:t>: </a:t>
+            </a:r>
+            <a:r>
+              <a:rPr lang="it-IT" sz="1600" dirty="0" err="1">
+                <a:solidFill>
+                  <a:srgbClr val="6A040F"/>
+                </a:solidFill>
+                <a:latin typeface="Consolas" panose="020B0609020204030204" pitchFamily="49" charset="0"/>
+              </a:rPr>
+              <a:t>String</a:t>
+            </a:r>
+            <a:r>
+              <a:rPr lang="it-IT" sz="1600" dirty="0">
+                <a:solidFill>
+                  <a:srgbClr val="6A040F"/>
+                </a:solidFill>
+                <a:latin typeface="Consolas" panose="020B0609020204030204" pitchFamily="49" charset="0"/>
+              </a:rPr>
+              <a:t>, # Not for Admin</a:t>
+            </a:r>
+          </a:p>
+          <a:p>
+            <a:r>
+              <a:rPr lang="it-IT" sz="1600" dirty="0">
+                <a:solidFill>
+                  <a:srgbClr val="6A040F"/>
+                </a:solidFill>
+                <a:latin typeface="Consolas" panose="020B0609020204030204" pitchFamily="49" charset="0"/>
+              </a:rPr>
+              <a:t>  posts: [{</a:t>
+            </a:r>
+          </a:p>
+          <a:p>
+            <a:r>
+              <a:rPr lang="it-IT" sz="1600" dirty="0">
+                <a:solidFill>
+                  <a:srgbClr val="6A040F"/>
+                </a:solidFill>
+                <a:latin typeface="Consolas" panose="020B0609020204030204" pitchFamily="49" charset="0"/>
+              </a:rPr>
+              <a:t>     </a:t>
+            </a:r>
+            <a:r>
+              <a:rPr lang="it-IT" sz="1600" dirty="0" err="1">
+                <a:solidFill>
+                  <a:srgbClr val="6A040F"/>
+                </a:solidFill>
+                <a:latin typeface="Consolas" panose="020B0609020204030204" pitchFamily="49" charset="0"/>
+              </a:rPr>
+              <a:t>idPost</a:t>
+            </a:r>
+            <a:r>
+              <a:rPr lang="it-IT" sz="1600" dirty="0">
+                <a:solidFill>
+                  <a:srgbClr val="6A040F"/>
+                </a:solidFill>
+                <a:latin typeface="Consolas" panose="020B0609020204030204" pitchFamily="49" charset="0"/>
+              </a:rPr>
+              <a:t>: </a:t>
+            </a:r>
+            <a:r>
+              <a:rPr lang="it-IT" sz="1600" dirty="0" err="1">
+                <a:solidFill>
+                  <a:srgbClr val="6A040F"/>
+                </a:solidFill>
+                <a:latin typeface="Consolas" panose="020B0609020204030204" pitchFamily="49" charset="0"/>
+              </a:rPr>
+              <a:t>ObjectId</a:t>
+            </a:r>
+            <a:r>
+              <a:rPr lang="it-IT" sz="1600" dirty="0">
+                <a:solidFill>
+                  <a:srgbClr val="6A040F"/>
+                </a:solidFill>
+                <a:latin typeface="Consolas" panose="020B0609020204030204" pitchFamily="49" charset="0"/>
+              </a:rPr>
+              <a:t>('...’),</a:t>
+            </a:r>
+          </a:p>
+          <a:p>
+            <a:r>
+              <a:rPr lang="it-IT" sz="1600" dirty="0">
+                <a:solidFill>
+                  <a:srgbClr val="6A040F"/>
+                </a:solidFill>
+                <a:latin typeface="Consolas" panose="020B0609020204030204" pitchFamily="49" charset="0"/>
+              </a:rPr>
+              <a:t>     name: </a:t>
+            </a:r>
+            <a:r>
+              <a:rPr lang="it-IT" sz="1600" dirty="0" err="1">
+                <a:solidFill>
+                  <a:srgbClr val="6A040F"/>
+                </a:solidFill>
+                <a:latin typeface="Consolas" panose="020B0609020204030204" pitchFamily="49" charset="0"/>
+              </a:rPr>
+              <a:t>String</a:t>
+            </a:r>
+            <a:r>
+              <a:rPr lang="it-IT" sz="1600" dirty="0">
+                <a:solidFill>
+                  <a:srgbClr val="6A040F"/>
+                </a:solidFill>
+                <a:latin typeface="Consolas" panose="020B0609020204030204" pitchFamily="49" charset="0"/>
+              </a:rPr>
+              <a:t>,</a:t>
+            </a:r>
+          </a:p>
+          <a:p>
+            <a:r>
+              <a:rPr lang="it-IT" sz="1600" dirty="0">
+                <a:solidFill>
+                  <a:srgbClr val="6A040F"/>
+                </a:solidFill>
+                <a:latin typeface="Consolas" panose="020B0609020204030204" pitchFamily="49" charset="0"/>
+              </a:rPr>
+              <a:t>     image: </a:t>
+            </a:r>
+            <a:r>
+              <a:rPr lang="it-IT" sz="1600" dirty="0" err="1">
+                <a:solidFill>
+                  <a:srgbClr val="6A040F"/>
+                </a:solidFill>
+                <a:latin typeface="Consolas" panose="020B0609020204030204" pitchFamily="49" charset="0"/>
+              </a:rPr>
+              <a:t>String</a:t>
+            </a:r>
+            <a:endParaRPr lang="it-IT" sz="1600" dirty="0">
+              <a:solidFill>
+                <a:srgbClr val="6A040F"/>
+              </a:solidFill>
+              <a:latin typeface="Consolas" panose="020B0609020204030204" pitchFamily="49" charset="0"/>
+            </a:endParaRPr>
+          </a:p>
+          <a:p>
+            <a:r>
+              <a:rPr lang="it-IT" sz="1600" dirty="0">
+                <a:solidFill>
+                  <a:srgbClr val="6A040F"/>
+                </a:solidFill>
+                <a:latin typeface="Consolas" panose="020B0609020204030204" pitchFamily="49" charset="0"/>
+              </a:rPr>
+              <a:t>  }, ...] # Not for Admin</a:t>
+            </a:r>
+          </a:p>
+          <a:p>
+            <a:r>
+              <a:rPr lang="it-IT" sz="1600" dirty="0">
+                <a:solidFill>
+                  <a:srgbClr val="6A040F"/>
+                </a:solidFill>
+                <a:latin typeface="Consolas" panose="020B0609020204030204" pitchFamily="49" charset="0"/>
+              </a:rPr>
+              <a:t>}</a:t>
+            </a:r>
+          </a:p>
+        </p:txBody>
+      </p:sp>
+      <p:pic>
+        <p:nvPicPr>
+          <p:cNvPr id="8" name="Elemento grafico 7" descr="Utente con riempimento a tinta unita">
+            <a:extLst>
+              <a:ext uri="{FF2B5EF4-FFF2-40B4-BE49-F238E27FC236}">
+                <a16:creationId xmlns:a16="http://schemas.microsoft.com/office/drawing/2014/main" id="{70277D99-4E19-4D30-CD7B-3C641CD82892}"/>
+              </a:ext>
+            </a:extLst>
+          </p:cNvPr>
+          <p:cNvPicPr>
+            <a:picLocks noChangeAspect="1"/>
+          </p:cNvPicPr>
+          <p:nvPr/>
+        </p:nvPicPr>
+        <p:blipFill>
+          <a:blip r:embed="rId2">
+            <a:extLst>
+              <a:ext uri="{28A0092B-C50C-407E-A947-70E740481C1C}">
+                <a14:useLocalDpi xmlns:a14="http://schemas.microsoft.com/office/drawing/2010/main" val="0"/>
+              </a:ext>
+              <a:ext uri="{96DAC541-7B7A-43D3-8B79-37D633B846F1}">
+                <asvg:svgBlip xmlns:asvg="http://schemas.microsoft.com/office/drawing/2016/SVG/main" r:embed="rId3"/>
+              </a:ext>
+            </a:extLst>
+          </a:blip>
+          <a:stretch>
+            <a:fillRect/>
+          </a:stretch>
+        </p:blipFill>
+        <p:spPr>
+          <a:xfrm>
+            <a:off x="1967343" y="1088544"/>
+            <a:ext cx="914400" cy="914400"/>
+          </a:xfrm>
+          <a:prstGeom prst="rect">
+            <a:avLst/>
+          </a:prstGeom>
+        </p:spPr>
+      </p:pic>
+      <p:sp>
+        <p:nvSpPr>
+          <p:cNvPr id="9" name="CasellaDiTesto 8">
+            <a:extLst>
+              <a:ext uri="{FF2B5EF4-FFF2-40B4-BE49-F238E27FC236}">
+                <a16:creationId xmlns:a16="http://schemas.microsoft.com/office/drawing/2014/main" id="{408A41EA-6191-F39B-CDE7-25B6E179439E}"/>
+              </a:ext>
+            </a:extLst>
+          </p:cNvPr>
+          <p:cNvSpPr txBox="1"/>
+          <p:nvPr/>
+        </p:nvSpPr>
+        <p:spPr>
+          <a:xfrm>
+            <a:off x="1892970" y="1888954"/>
+            <a:ext cx="1063145" cy="276999"/>
+          </a:xfrm>
+          <a:prstGeom prst="rect">
+            <a:avLst/>
+          </a:prstGeom>
+          <a:noFill/>
+        </p:spPr>
+        <p:txBody>
+          <a:bodyPr wrap="square" rtlCol="0">
+            <a:spAutoFit/>
+          </a:bodyPr>
+          <a:lstStyle/>
+          <a:p>
+            <a:pPr algn="ctr"/>
+            <a:r>
+              <a:rPr lang="it-IT" sz="1200" dirty="0">
+                <a:solidFill>
+                  <a:srgbClr val="6A040F"/>
+                </a:solidFill>
+              </a:rPr>
+              <a:t>USER</a:t>
+            </a:r>
+            <a:endParaRPr lang="it-IT" sz="1600" dirty="0">
+              <a:solidFill>
+                <a:srgbClr val="6A040F"/>
+              </a:solidFill>
+            </a:endParaRPr>
+          </a:p>
+        </p:txBody>
+      </p:sp>
+      <p:sp>
+        <p:nvSpPr>
+          <p:cNvPr id="10" name="CasellaDiTesto 9">
+            <a:extLst>
+              <a:ext uri="{FF2B5EF4-FFF2-40B4-BE49-F238E27FC236}">
+                <a16:creationId xmlns:a16="http://schemas.microsoft.com/office/drawing/2014/main" id="{441D9BCA-9F97-591D-B17E-516676886A28}"/>
+              </a:ext>
+            </a:extLst>
+          </p:cNvPr>
+          <p:cNvSpPr txBox="1"/>
+          <p:nvPr/>
+        </p:nvSpPr>
+        <p:spPr>
+          <a:xfrm>
+            <a:off x="4667251" y="1173487"/>
+            <a:ext cx="3356161" cy="5632311"/>
+          </a:xfrm>
+          <a:prstGeom prst="rect">
+            <a:avLst/>
+          </a:prstGeom>
+          <a:noFill/>
+          <a:ln w="28575">
+            <a:solidFill>
+              <a:srgbClr val="9D0208"/>
+            </a:solidFill>
+          </a:ln>
+        </p:spPr>
+        <p:txBody>
+          <a:bodyPr wrap="square">
+            <a:spAutoFit/>
+          </a:bodyPr>
+          <a:lstStyle/>
+          <a:p>
+            <a:r>
+              <a:rPr lang="it-IT" sz="1200" dirty="0">
+                <a:solidFill>
+                  <a:srgbClr val="6A040F"/>
+                </a:solidFill>
+                <a:latin typeface="Consolas" panose="020B0609020204030204" pitchFamily="49" charset="0"/>
+              </a:rPr>
+              <a:t>{</a:t>
+            </a:r>
+          </a:p>
+          <a:p>
+            <a:r>
+              <a:rPr lang="it-IT" sz="1200" dirty="0">
+                <a:solidFill>
+                  <a:srgbClr val="6A040F"/>
+                </a:solidFill>
+                <a:latin typeface="Consolas" panose="020B0609020204030204" pitchFamily="49" charset="0"/>
+              </a:rPr>
+              <a:t>  id: </a:t>
+            </a:r>
+            <a:r>
+              <a:rPr lang="it-IT" sz="1200" dirty="0" err="1">
+                <a:solidFill>
+                  <a:srgbClr val="6A040F"/>
+                </a:solidFill>
+                <a:latin typeface="Consolas" panose="020B0609020204030204" pitchFamily="49" charset="0"/>
+              </a:rPr>
+              <a:t>ObjectId</a:t>
+            </a:r>
+            <a:r>
+              <a:rPr lang="it-IT" sz="1200" dirty="0">
+                <a:solidFill>
+                  <a:srgbClr val="6A040F"/>
+                </a:solidFill>
+                <a:latin typeface="Consolas" panose="020B0609020204030204" pitchFamily="49" charset="0"/>
+              </a:rPr>
+              <a:t>('...’),</a:t>
+            </a:r>
+          </a:p>
+          <a:p>
+            <a:r>
+              <a:rPr lang="it-IT" sz="1200" dirty="0">
+                <a:solidFill>
+                  <a:srgbClr val="6A040F"/>
+                </a:solidFill>
+                <a:latin typeface="Consolas" panose="020B0609020204030204" pitchFamily="49" charset="0"/>
+              </a:rPr>
+              <a:t>  </a:t>
+            </a:r>
+            <a:r>
+              <a:rPr lang="it-IT" sz="1200" dirty="0" err="1">
+                <a:solidFill>
+                  <a:srgbClr val="6A040F"/>
+                </a:solidFill>
+                <a:latin typeface="Consolas" panose="020B0609020204030204" pitchFamily="49" charset="0"/>
+              </a:rPr>
+              <a:t>idUser</a:t>
+            </a:r>
+            <a:r>
+              <a:rPr lang="it-IT" sz="1200" dirty="0">
+                <a:solidFill>
+                  <a:srgbClr val="6A040F"/>
+                </a:solidFill>
+                <a:latin typeface="Consolas" panose="020B0609020204030204" pitchFamily="49" charset="0"/>
+              </a:rPr>
+              <a:t>: </a:t>
+            </a:r>
+            <a:r>
+              <a:rPr lang="it-IT" sz="1200" dirty="0" err="1">
+                <a:solidFill>
+                  <a:srgbClr val="6A040F"/>
+                </a:solidFill>
+                <a:latin typeface="Consolas" panose="020B0609020204030204" pitchFamily="49" charset="0"/>
+              </a:rPr>
+              <a:t>ObjectId</a:t>
+            </a:r>
+            <a:r>
+              <a:rPr lang="it-IT" sz="1200" dirty="0">
+                <a:solidFill>
+                  <a:srgbClr val="6A040F"/>
+                </a:solidFill>
+                <a:latin typeface="Consolas" panose="020B0609020204030204" pitchFamily="49" charset="0"/>
+              </a:rPr>
+              <a:t>('...’),</a:t>
+            </a:r>
+          </a:p>
+          <a:p>
+            <a:r>
+              <a:rPr lang="it-IT" sz="1200" dirty="0">
+                <a:solidFill>
+                  <a:srgbClr val="6A040F"/>
+                </a:solidFill>
+                <a:latin typeface="Consolas" panose="020B0609020204030204" pitchFamily="49" charset="0"/>
+              </a:rPr>
+              <a:t>  username: </a:t>
+            </a:r>
+            <a:r>
+              <a:rPr lang="it-IT" sz="1200" dirty="0" err="1">
+                <a:solidFill>
+                  <a:srgbClr val="6A040F"/>
+                </a:solidFill>
+                <a:latin typeface="Consolas" panose="020B0609020204030204" pitchFamily="49" charset="0"/>
+              </a:rPr>
+              <a:t>String</a:t>
+            </a:r>
+            <a:r>
+              <a:rPr lang="it-IT" sz="1200" dirty="0">
+                <a:solidFill>
+                  <a:srgbClr val="6A040F"/>
+                </a:solidFill>
+                <a:latin typeface="Consolas" panose="020B0609020204030204" pitchFamily="49" charset="0"/>
+              </a:rPr>
+              <a:t>, </a:t>
+            </a:r>
+          </a:p>
+          <a:p>
+            <a:r>
+              <a:rPr lang="it-IT" sz="1200" dirty="0">
+                <a:solidFill>
+                  <a:srgbClr val="6A040F"/>
+                </a:solidFill>
+                <a:latin typeface="Consolas" panose="020B0609020204030204" pitchFamily="49" charset="0"/>
+              </a:rPr>
+              <a:t>  </a:t>
+            </a:r>
+            <a:r>
+              <a:rPr lang="it-IT" sz="1200" dirty="0" err="1">
+                <a:solidFill>
+                  <a:srgbClr val="6A040F"/>
+                </a:solidFill>
+                <a:latin typeface="Consolas" panose="020B0609020204030204" pitchFamily="49" charset="0"/>
+              </a:rPr>
+              <a:t>description</a:t>
+            </a:r>
+            <a:r>
+              <a:rPr lang="it-IT" sz="1200" dirty="0">
+                <a:solidFill>
+                  <a:srgbClr val="6A040F"/>
+                </a:solidFill>
+                <a:latin typeface="Consolas" panose="020B0609020204030204" pitchFamily="49" charset="0"/>
+              </a:rPr>
+              <a:t>: </a:t>
+            </a:r>
+            <a:r>
+              <a:rPr lang="it-IT" sz="1200" dirty="0" err="1">
+                <a:solidFill>
+                  <a:srgbClr val="6A040F"/>
+                </a:solidFill>
+                <a:latin typeface="Consolas" panose="020B0609020204030204" pitchFamily="49" charset="0"/>
+              </a:rPr>
+              <a:t>String</a:t>
+            </a:r>
+            <a:r>
+              <a:rPr lang="it-IT" sz="1200" dirty="0">
+                <a:solidFill>
+                  <a:srgbClr val="6A040F"/>
+                </a:solidFill>
+                <a:latin typeface="Consolas" panose="020B0609020204030204" pitchFamily="49" charset="0"/>
+              </a:rPr>
+              <a:t>,</a:t>
+            </a:r>
+          </a:p>
+          <a:p>
+            <a:r>
+              <a:rPr lang="it-IT" sz="1200" dirty="0">
+                <a:solidFill>
+                  <a:srgbClr val="6A040F"/>
+                </a:solidFill>
+                <a:latin typeface="Consolas" panose="020B0609020204030204" pitchFamily="49" charset="0"/>
+              </a:rPr>
+              <a:t>  </a:t>
+            </a:r>
+            <a:r>
+              <a:rPr lang="it-IT" sz="1200" dirty="0" err="1">
+                <a:solidFill>
+                  <a:srgbClr val="6A040F"/>
+                </a:solidFill>
+                <a:latin typeface="Consolas" panose="020B0609020204030204" pitchFamily="49" charset="0"/>
+              </a:rPr>
+              <a:t>timestamp</a:t>
+            </a:r>
+            <a:r>
+              <a:rPr lang="it-IT" sz="1200" dirty="0">
+                <a:solidFill>
+                  <a:srgbClr val="6A040F"/>
+                </a:solidFill>
+                <a:latin typeface="Consolas" panose="020B0609020204030204" pitchFamily="49" charset="0"/>
+              </a:rPr>
+              <a:t>: Long,</a:t>
+            </a:r>
+          </a:p>
+          <a:p>
+            <a:r>
+              <a:rPr lang="it-IT" sz="1200" dirty="0">
+                <a:solidFill>
+                  <a:srgbClr val="6A040F"/>
+                </a:solidFill>
+                <a:latin typeface="Consolas" panose="020B0609020204030204" pitchFamily="49" charset="0"/>
+              </a:rPr>
+              <a:t>  recipe: {</a:t>
+            </a:r>
+          </a:p>
+          <a:p>
+            <a:r>
+              <a:rPr lang="it-IT" sz="1200" dirty="0">
+                <a:solidFill>
+                  <a:srgbClr val="6A040F"/>
+                </a:solidFill>
+                <a:latin typeface="Consolas" panose="020B0609020204030204" pitchFamily="49" charset="0"/>
+              </a:rPr>
+              <a:t>      name: </a:t>
+            </a:r>
+            <a:r>
+              <a:rPr lang="it-IT" sz="1200" dirty="0" err="1">
+                <a:solidFill>
+                  <a:srgbClr val="6A040F"/>
+                </a:solidFill>
+                <a:latin typeface="Consolas" panose="020B0609020204030204" pitchFamily="49" charset="0"/>
+              </a:rPr>
+              <a:t>String</a:t>
+            </a:r>
+            <a:r>
+              <a:rPr lang="it-IT" sz="1200" dirty="0">
+                <a:solidFill>
+                  <a:srgbClr val="6A040F"/>
+                </a:solidFill>
+                <a:latin typeface="Consolas" panose="020B0609020204030204" pitchFamily="49" charset="0"/>
+              </a:rPr>
+              <a:t>,</a:t>
+            </a:r>
+          </a:p>
+          <a:p>
+            <a:r>
+              <a:rPr lang="it-IT" sz="1200" dirty="0">
+                <a:solidFill>
+                  <a:srgbClr val="6A040F"/>
+                </a:solidFill>
+                <a:latin typeface="Consolas" panose="020B0609020204030204" pitchFamily="49" charset="0"/>
+              </a:rPr>
+              <a:t>      image: </a:t>
+            </a:r>
+            <a:r>
+              <a:rPr lang="it-IT" sz="1200" dirty="0" err="1">
+                <a:solidFill>
+                  <a:srgbClr val="6A040F"/>
+                </a:solidFill>
+                <a:latin typeface="Consolas" panose="020B0609020204030204" pitchFamily="49" charset="0"/>
+              </a:rPr>
+              <a:t>String</a:t>
+            </a:r>
+            <a:r>
+              <a:rPr lang="it-IT" sz="1200" dirty="0">
+                <a:solidFill>
+                  <a:srgbClr val="6A040F"/>
+                </a:solidFill>
+                <a:latin typeface="Consolas" panose="020B0609020204030204" pitchFamily="49" charset="0"/>
+              </a:rPr>
+              <a:t>,</a:t>
+            </a:r>
+          </a:p>
+          <a:p>
+            <a:r>
+              <a:rPr lang="it-IT" sz="1200" dirty="0">
+                <a:solidFill>
+                  <a:srgbClr val="6A040F"/>
+                </a:solidFill>
+                <a:latin typeface="Consolas" panose="020B0609020204030204" pitchFamily="49" charset="0"/>
+              </a:rPr>
+              <a:t>      steps: [</a:t>
+            </a:r>
+            <a:r>
+              <a:rPr lang="it-IT" sz="1200" dirty="0" err="1">
+                <a:solidFill>
+                  <a:srgbClr val="6A040F"/>
+                </a:solidFill>
+                <a:latin typeface="Consolas" panose="020B0609020204030204" pitchFamily="49" charset="0"/>
+              </a:rPr>
+              <a:t>String</a:t>
+            </a:r>
+            <a:r>
+              <a:rPr lang="it-IT" sz="1200" dirty="0">
+                <a:solidFill>
+                  <a:srgbClr val="6A040F"/>
+                </a:solidFill>
+                <a:latin typeface="Consolas" panose="020B0609020204030204" pitchFamily="49" charset="0"/>
+              </a:rPr>
+              <a:t>, ...],</a:t>
+            </a:r>
+          </a:p>
+          <a:p>
+            <a:r>
+              <a:rPr lang="it-IT" sz="1200" dirty="0">
+                <a:solidFill>
+                  <a:srgbClr val="6A040F"/>
+                </a:solidFill>
+                <a:latin typeface="Consolas" panose="020B0609020204030204" pitchFamily="49" charset="0"/>
+              </a:rPr>
+              <a:t>       </a:t>
+            </a:r>
+            <a:r>
+              <a:rPr lang="it-IT" sz="1200" dirty="0" err="1">
+                <a:solidFill>
+                  <a:srgbClr val="6A040F"/>
+                </a:solidFill>
+                <a:latin typeface="Consolas" panose="020B0609020204030204" pitchFamily="49" charset="0"/>
+              </a:rPr>
+              <a:t>totalCalories</a:t>
+            </a:r>
+            <a:r>
+              <a:rPr lang="it-IT" sz="1200" dirty="0">
+                <a:solidFill>
+                  <a:srgbClr val="6A040F"/>
+                </a:solidFill>
+                <a:latin typeface="Consolas" panose="020B0609020204030204" pitchFamily="49" charset="0"/>
+              </a:rPr>
+              <a:t>: Double, </a:t>
+            </a:r>
+          </a:p>
+          <a:p>
+            <a:r>
+              <a:rPr lang="it-IT" sz="1200" dirty="0">
+                <a:solidFill>
+                  <a:srgbClr val="6A040F"/>
+                </a:solidFill>
+                <a:latin typeface="Consolas" panose="020B0609020204030204" pitchFamily="49" charset="0"/>
+              </a:rPr>
+              <a:t>       </a:t>
+            </a:r>
+            <a:r>
+              <a:rPr lang="it-IT" sz="1200" dirty="0" err="1">
+                <a:solidFill>
+                  <a:srgbClr val="6A040F"/>
+                </a:solidFill>
+                <a:latin typeface="Consolas" panose="020B0609020204030204" pitchFamily="49" charset="0"/>
+              </a:rPr>
+              <a:t>ingredients</a:t>
+            </a:r>
+            <a:r>
+              <a:rPr lang="it-IT" sz="1200" dirty="0">
+                <a:solidFill>
+                  <a:srgbClr val="6A040F"/>
+                </a:solidFill>
+                <a:latin typeface="Consolas" panose="020B0609020204030204" pitchFamily="49" charset="0"/>
+              </a:rPr>
+              <a:t>: [{</a:t>
+            </a:r>
+          </a:p>
+          <a:p>
+            <a:r>
+              <a:rPr lang="it-IT" sz="1200" dirty="0">
+                <a:solidFill>
+                  <a:srgbClr val="6A040F"/>
+                </a:solidFill>
+                <a:latin typeface="Consolas" panose="020B0609020204030204" pitchFamily="49" charset="0"/>
+              </a:rPr>
+              <a:t>             name: </a:t>
+            </a:r>
+            <a:r>
+              <a:rPr lang="it-IT" sz="1200" dirty="0" err="1">
+                <a:solidFill>
+                  <a:srgbClr val="6A040F"/>
+                </a:solidFill>
+                <a:latin typeface="Consolas" panose="020B0609020204030204" pitchFamily="49" charset="0"/>
+              </a:rPr>
+              <a:t>String</a:t>
+            </a:r>
+            <a:r>
+              <a:rPr lang="it-IT" sz="1200" dirty="0">
+                <a:solidFill>
+                  <a:srgbClr val="6A040F"/>
+                </a:solidFill>
+                <a:latin typeface="Consolas" panose="020B0609020204030204" pitchFamily="49" charset="0"/>
+              </a:rPr>
+              <a:t>,</a:t>
+            </a:r>
+          </a:p>
+          <a:p>
+            <a:r>
+              <a:rPr lang="it-IT" sz="1200" dirty="0">
+                <a:solidFill>
+                  <a:srgbClr val="6A040F"/>
+                </a:solidFill>
+                <a:latin typeface="Consolas" panose="020B0609020204030204" pitchFamily="49" charset="0"/>
+              </a:rPr>
+              <a:t>             </a:t>
+            </a:r>
+            <a:r>
+              <a:rPr lang="it-IT" sz="1200" dirty="0" err="1">
+                <a:solidFill>
+                  <a:srgbClr val="6A040F"/>
+                </a:solidFill>
+                <a:latin typeface="Consolas" panose="020B0609020204030204" pitchFamily="49" charset="0"/>
+              </a:rPr>
+              <a:t>quantity</a:t>
+            </a:r>
+            <a:r>
+              <a:rPr lang="it-IT" sz="1200" dirty="0">
+                <a:solidFill>
+                  <a:srgbClr val="6A040F"/>
+                </a:solidFill>
+                <a:latin typeface="Consolas" panose="020B0609020204030204" pitchFamily="49" charset="0"/>
+              </a:rPr>
+              <a:t>: Double</a:t>
+            </a:r>
+          </a:p>
+          <a:p>
+            <a:r>
+              <a:rPr lang="it-IT" sz="1200" dirty="0">
+                <a:solidFill>
+                  <a:srgbClr val="6A040F"/>
+                </a:solidFill>
+                <a:latin typeface="Consolas" panose="020B0609020204030204" pitchFamily="49" charset="0"/>
+              </a:rPr>
+              <a:t>       }, ...]</a:t>
+            </a:r>
+          </a:p>
+          <a:p>
+            <a:r>
+              <a:rPr lang="it-IT" sz="1200" dirty="0">
+                <a:solidFill>
+                  <a:srgbClr val="6A040F"/>
+                </a:solidFill>
+                <a:latin typeface="Consolas" panose="020B0609020204030204" pitchFamily="49" charset="0"/>
+              </a:rPr>
+              <a:t>  },</a:t>
+            </a:r>
+          </a:p>
+          <a:p>
+            <a:r>
+              <a:rPr lang="it-IT" sz="1200" dirty="0">
+                <a:solidFill>
+                  <a:srgbClr val="6A040F"/>
+                </a:solidFill>
+                <a:latin typeface="Consolas" panose="020B0609020204030204" pitchFamily="49" charset="0"/>
+              </a:rPr>
+              <a:t>  </a:t>
+            </a:r>
+            <a:r>
+              <a:rPr lang="it-IT" sz="1200" dirty="0" err="1">
+                <a:solidFill>
+                  <a:srgbClr val="6A040F"/>
+                </a:solidFill>
+                <a:latin typeface="Consolas" panose="020B0609020204030204" pitchFamily="49" charset="0"/>
+              </a:rPr>
+              <a:t>starRankings</a:t>
+            </a:r>
+            <a:r>
+              <a:rPr lang="it-IT" sz="1200" dirty="0">
+                <a:solidFill>
+                  <a:srgbClr val="6A040F"/>
+                </a:solidFill>
+                <a:latin typeface="Consolas" panose="020B0609020204030204" pitchFamily="49" charset="0"/>
+              </a:rPr>
+              <a:t>: [{</a:t>
+            </a:r>
+          </a:p>
+          <a:p>
+            <a:r>
+              <a:rPr lang="it-IT" sz="1200" dirty="0">
+                <a:solidFill>
+                  <a:srgbClr val="6A040F"/>
+                </a:solidFill>
+                <a:latin typeface="Consolas" panose="020B0609020204030204" pitchFamily="49" charset="0"/>
+              </a:rPr>
+              <a:t>       </a:t>
+            </a:r>
+            <a:r>
+              <a:rPr lang="it-IT" sz="1200" dirty="0" err="1">
+                <a:solidFill>
+                  <a:srgbClr val="6A040F"/>
+                </a:solidFill>
+                <a:latin typeface="Consolas" panose="020B0609020204030204" pitchFamily="49" charset="0"/>
+              </a:rPr>
+              <a:t>idUser</a:t>
+            </a:r>
+            <a:r>
+              <a:rPr lang="it-IT" sz="1200" dirty="0">
+                <a:solidFill>
+                  <a:srgbClr val="6A040F"/>
+                </a:solidFill>
+                <a:latin typeface="Consolas" panose="020B0609020204030204" pitchFamily="49" charset="0"/>
+              </a:rPr>
+              <a:t>: </a:t>
+            </a:r>
+            <a:r>
+              <a:rPr lang="it-IT" sz="1200" dirty="0" err="1">
+                <a:solidFill>
+                  <a:srgbClr val="6A040F"/>
+                </a:solidFill>
+                <a:latin typeface="Consolas" panose="020B0609020204030204" pitchFamily="49" charset="0"/>
+              </a:rPr>
+              <a:t>ObjectId</a:t>
+            </a:r>
+            <a:r>
+              <a:rPr lang="it-IT" sz="1200" dirty="0">
+                <a:solidFill>
+                  <a:srgbClr val="6A040F"/>
+                </a:solidFill>
+                <a:latin typeface="Consolas" panose="020B0609020204030204" pitchFamily="49" charset="0"/>
+              </a:rPr>
+              <a:t>('...’),</a:t>
+            </a:r>
+          </a:p>
+          <a:p>
+            <a:r>
+              <a:rPr lang="it-IT" sz="1200" dirty="0">
+                <a:solidFill>
+                  <a:srgbClr val="6A040F"/>
+                </a:solidFill>
+                <a:latin typeface="Consolas" panose="020B0609020204030204" pitchFamily="49" charset="0"/>
+              </a:rPr>
+              <a:t>       username: </a:t>
+            </a:r>
+            <a:r>
+              <a:rPr lang="it-IT" sz="1200" dirty="0" err="1">
+                <a:solidFill>
+                  <a:srgbClr val="6A040F"/>
+                </a:solidFill>
+                <a:latin typeface="Consolas" panose="020B0609020204030204" pitchFamily="49" charset="0"/>
+              </a:rPr>
+              <a:t>String</a:t>
+            </a:r>
+            <a:r>
+              <a:rPr lang="it-IT" sz="1200" dirty="0">
+                <a:solidFill>
+                  <a:srgbClr val="6A040F"/>
+                </a:solidFill>
+                <a:latin typeface="Consolas" panose="020B0609020204030204" pitchFamily="49" charset="0"/>
+              </a:rPr>
+              <a:t>, </a:t>
+            </a:r>
+          </a:p>
+          <a:p>
+            <a:r>
+              <a:rPr lang="it-IT" sz="1200" dirty="0">
+                <a:solidFill>
+                  <a:srgbClr val="6A040F"/>
+                </a:solidFill>
+                <a:latin typeface="Consolas" panose="020B0609020204030204" pitchFamily="49" charset="0"/>
+              </a:rPr>
+              <a:t>       vote: Double</a:t>
+            </a:r>
+          </a:p>
+          <a:p>
+            <a:r>
+              <a:rPr lang="it-IT" sz="1200" dirty="0">
+                <a:solidFill>
+                  <a:srgbClr val="6A040F"/>
+                </a:solidFill>
+                <a:latin typeface="Consolas" panose="020B0609020204030204" pitchFamily="49" charset="0"/>
+              </a:rPr>
+              <a:t>  }, ...],</a:t>
+            </a:r>
+          </a:p>
+          <a:p>
+            <a:r>
+              <a:rPr lang="it-IT" sz="1200" dirty="0">
+                <a:solidFill>
+                  <a:srgbClr val="6A040F"/>
+                </a:solidFill>
+                <a:latin typeface="Consolas" panose="020B0609020204030204" pitchFamily="49" charset="0"/>
+              </a:rPr>
+              <a:t>  </a:t>
+            </a:r>
+            <a:r>
+              <a:rPr lang="it-IT" sz="1200" dirty="0" err="1">
+                <a:solidFill>
+                  <a:srgbClr val="6A040F"/>
+                </a:solidFill>
+                <a:latin typeface="Consolas" panose="020B0609020204030204" pitchFamily="49" charset="0"/>
+              </a:rPr>
+              <a:t>avgStarRanking</a:t>
+            </a:r>
+            <a:r>
+              <a:rPr lang="it-IT" sz="1200" dirty="0">
+                <a:solidFill>
+                  <a:srgbClr val="6A040F"/>
+                </a:solidFill>
+                <a:latin typeface="Consolas" panose="020B0609020204030204" pitchFamily="49" charset="0"/>
+              </a:rPr>
+              <a:t>: Double, </a:t>
+            </a:r>
+          </a:p>
+          <a:p>
+            <a:r>
+              <a:rPr lang="it-IT" sz="1200" dirty="0">
+                <a:solidFill>
+                  <a:srgbClr val="6A040F"/>
+                </a:solidFill>
+                <a:latin typeface="Consolas" panose="020B0609020204030204" pitchFamily="49" charset="0"/>
+              </a:rPr>
+              <a:t>  </a:t>
+            </a:r>
+            <a:r>
+              <a:rPr lang="it-IT" sz="1200" dirty="0" err="1">
+                <a:solidFill>
+                  <a:srgbClr val="6A040F"/>
+                </a:solidFill>
+                <a:latin typeface="Consolas" panose="020B0609020204030204" pitchFamily="49" charset="0"/>
+              </a:rPr>
+              <a:t>comments</a:t>
+            </a:r>
+            <a:r>
+              <a:rPr lang="it-IT" sz="1200" dirty="0">
+                <a:solidFill>
+                  <a:srgbClr val="6A040F"/>
+                </a:solidFill>
+                <a:latin typeface="Consolas" panose="020B0609020204030204" pitchFamily="49" charset="0"/>
+              </a:rPr>
+              <a:t>: [{</a:t>
+            </a:r>
+          </a:p>
+          <a:p>
+            <a:r>
+              <a:rPr lang="it-IT" sz="1200" dirty="0">
+                <a:solidFill>
+                  <a:srgbClr val="6A040F"/>
+                </a:solidFill>
+                <a:latin typeface="Consolas" panose="020B0609020204030204" pitchFamily="49" charset="0"/>
+              </a:rPr>
+              <a:t>       </a:t>
+            </a:r>
+            <a:r>
+              <a:rPr lang="it-IT" sz="1200" dirty="0" err="1">
+                <a:solidFill>
+                  <a:srgbClr val="6A040F"/>
+                </a:solidFill>
+                <a:latin typeface="Consolas" panose="020B0609020204030204" pitchFamily="49" charset="0"/>
+              </a:rPr>
+              <a:t>idUser</a:t>
+            </a:r>
+            <a:r>
+              <a:rPr lang="it-IT" sz="1200" dirty="0">
+                <a:solidFill>
+                  <a:srgbClr val="6A040F"/>
+                </a:solidFill>
+                <a:latin typeface="Consolas" panose="020B0609020204030204" pitchFamily="49" charset="0"/>
+              </a:rPr>
+              <a:t>: </a:t>
+            </a:r>
+            <a:r>
+              <a:rPr lang="it-IT" sz="1200" dirty="0" err="1">
+                <a:solidFill>
+                  <a:srgbClr val="6A040F"/>
+                </a:solidFill>
+                <a:latin typeface="Consolas" panose="020B0609020204030204" pitchFamily="49" charset="0"/>
+              </a:rPr>
+              <a:t>ObjectId</a:t>
+            </a:r>
+            <a:r>
+              <a:rPr lang="it-IT" sz="1200" dirty="0">
+                <a:solidFill>
+                  <a:srgbClr val="6A040F"/>
+                </a:solidFill>
+                <a:latin typeface="Consolas" panose="020B0609020204030204" pitchFamily="49" charset="0"/>
+              </a:rPr>
+              <a:t>('...’),</a:t>
+            </a:r>
+          </a:p>
+          <a:p>
+            <a:r>
+              <a:rPr lang="it-IT" sz="1200" dirty="0">
+                <a:solidFill>
+                  <a:srgbClr val="6A040F"/>
+                </a:solidFill>
+                <a:latin typeface="Consolas" panose="020B0609020204030204" pitchFamily="49" charset="0"/>
+              </a:rPr>
+              <a:t>       username: </a:t>
+            </a:r>
+            <a:r>
+              <a:rPr lang="it-IT" sz="1200" dirty="0" err="1">
+                <a:solidFill>
+                  <a:srgbClr val="6A040F"/>
+                </a:solidFill>
+                <a:latin typeface="Consolas" panose="020B0609020204030204" pitchFamily="49" charset="0"/>
+              </a:rPr>
+              <a:t>String</a:t>
+            </a:r>
+            <a:r>
+              <a:rPr lang="it-IT" sz="1200" dirty="0">
+                <a:solidFill>
+                  <a:srgbClr val="6A040F"/>
+                </a:solidFill>
+                <a:latin typeface="Consolas" panose="020B0609020204030204" pitchFamily="49" charset="0"/>
+              </a:rPr>
+              <a:t>, </a:t>
+            </a:r>
+          </a:p>
+          <a:p>
+            <a:r>
+              <a:rPr lang="it-IT" sz="1200" dirty="0">
+                <a:solidFill>
+                  <a:srgbClr val="6A040F"/>
+                </a:solidFill>
+                <a:latin typeface="Consolas" panose="020B0609020204030204" pitchFamily="49" charset="0"/>
+              </a:rPr>
+              <a:t>       text: </a:t>
+            </a:r>
+            <a:r>
+              <a:rPr lang="it-IT" sz="1200" dirty="0" err="1">
+                <a:solidFill>
+                  <a:srgbClr val="6A040F"/>
+                </a:solidFill>
+                <a:latin typeface="Consolas" panose="020B0609020204030204" pitchFamily="49" charset="0"/>
+              </a:rPr>
+              <a:t>String</a:t>
+            </a:r>
+            <a:r>
+              <a:rPr lang="it-IT" sz="1200" dirty="0">
+                <a:solidFill>
+                  <a:srgbClr val="6A040F"/>
+                </a:solidFill>
+                <a:latin typeface="Consolas" panose="020B0609020204030204" pitchFamily="49" charset="0"/>
+              </a:rPr>
+              <a:t>,</a:t>
+            </a:r>
+          </a:p>
+          <a:p>
+            <a:r>
+              <a:rPr lang="it-IT" sz="1200" dirty="0">
+                <a:solidFill>
+                  <a:srgbClr val="6A040F"/>
+                </a:solidFill>
+                <a:latin typeface="Consolas" panose="020B0609020204030204" pitchFamily="49" charset="0"/>
+              </a:rPr>
+              <a:t>       </a:t>
+            </a:r>
+            <a:r>
+              <a:rPr lang="it-IT" sz="1200" dirty="0" err="1">
+                <a:solidFill>
+                  <a:srgbClr val="6A040F"/>
+                </a:solidFill>
+                <a:latin typeface="Consolas" panose="020B0609020204030204" pitchFamily="49" charset="0"/>
+              </a:rPr>
+              <a:t>timestamp</a:t>
+            </a:r>
+            <a:r>
+              <a:rPr lang="it-IT" sz="1200" dirty="0">
+                <a:solidFill>
+                  <a:srgbClr val="6A040F"/>
+                </a:solidFill>
+                <a:latin typeface="Consolas" panose="020B0609020204030204" pitchFamily="49" charset="0"/>
+              </a:rPr>
+              <a:t>: Long</a:t>
+            </a:r>
+          </a:p>
+          <a:p>
+            <a:r>
+              <a:rPr lang="it-IT" sz="1200" dirty="0">
+                <a:solidFill>
+                  <a:srgbClr val="6A040F"/>
+                </a:solidFill>
+                <a:latin typeface="Consolas" panose="020B0609020204030204" pitchFamily="49" charset="0"/>
+              </a:rPr>
+              <a:t>  }, ...]</a:t>
+            </a:r>
+          </a:p>
+          <a:p>
+            <a:r>
+              <a:rPr lang="it-IT" sz="1200" dirty="0">
+                <a:solidFill>
+                  <a:srgbClr val="6A040F"/>
+                </a:solidFill>
+                <a:latin typeface="Consolas" panose="020B0609020204030204" pitchFamily="49" charset="0"/>
+              </a:rPr>
+              <a:t>}</a:t>
+            </a:r>
+          </a:p>
+        </p:txBody>
+      </p:sp>
+      <p:pic>
+        <p:nvPicPr>
+          <p:cNvPr id="12" name="Immagine 11" descr="Immagine che contiene testo, logo, Elementi grafici, simbolo&#10;&#10;Descrizione generata automaticamente">
+            <a:extLst>
+              <a:ext uri="{FF2B5EF4-FFF2-40B4-BE49-F238E27FC236}">
+                <a16:creationId xmlns:a16="http://schemas.microsoft.com/office/drawing/2014/main" id="{93F5CED8-1ECB-E1E1-FB68-A329D8C7E0DB}"/>
+              </a:ext>
+            </a:extLst>
+          </p:cNvPr>
+          <p:cNvPicPr>
+            <a:picLocks noChangeAspect="1"/>
+          </p:cNvPicPr>
+          <p:nvPr/>
+        </p:nvPicPr>
+        <p:blipFill rotWithShape="1">
+          <a:blip r:embed="rId4">
+            <a:extLst>
+              <a:ext uri="{28A0092B-C50C-407E-A947-70E740481C1C}">
+                <a14:useLocalDpi xmlns:a14="http://schemas.microsoft.com/office/drawing/2010/main" val="0"/>
+              </a:ext>
+            </a:extLst>
+          </a:blip>
+          <a:srcRect l="27640" t="17240" r="27747" b="17104"/>
+          <a:stretch/>
+        </p:blipFill>
+        <p:spPr>
+          <a:xfrm>
+            <a:off x="5927632" y="47899"/>
+            <a:ext cx="835398" cy="988588"/>
+          </a:xfrm>
+          <a:prstGeom prst="rect">
+            <a:avLst/>
+          </a:prstGeom>
+        </p:spPr>
+      </p:pic>
+      <p:sp>
+        <p:nvSpPr>
+          <p:cNvPr id="13" name="CasellaDiTesto 12">
+            <a:extLst>
+              <a:ext uri="{FF2B5EF4-FFF2-40B4-BE49-F238E27FC236}">
+                <a16:creationId xmlns:a16="http://schemas.microsoft.com/office/drawing/2014/main" id="{BC4BF736-8DFB-3781-B7AE-BD738B526047}"/>
+              </a:ext>
+            </a:extLst>
+          </p:cNvPr>
+          <p:cNvSpPr txBox="1"/>
+          <p:nvPr/>
+        </p:nvSpPr>
+        <p:spPr>
+          <a:xfrm>
+            <a:off x="5111299" y="383719"/>
+            <a:ext cx="1063145" cy="276999"/>
+          </a:xfrm>
+          <a:prstGeom prst="rect">
+            <a:avLst/>
+          </a:prstGeom>
+          <a:noFill/>
+        </p:spPr>
+        <p:txBody>
+          <a:bodyPr wrap="square" rtlCol="0">
+            <a:spAutoFit/>
+          </a:bodyPr>
+          <a:lstStyle/>
+          <a:p>
+            <a:pPr algn="ctr"/>
+            <a:r>
+              <a:rPr lang="it-IT" sz="1200" dirty="0">
+                <a:solidFill>
+                  <a:srgbClr val="6A040F"/>
+                </a:solidFill>
+              </a:rPr>
+              <a:t>Post</a:t>
+            </a:r>
+            <a:endParaRPr lang="it-IT" sz="1600" dirty="0">
+              <a:solidFill>
+                <a:srgbClr val="6A040F"/>
+              </a:solidFill>
+            </a:endParaRPr>
+          </a:p>
+        </p:txBody>
+      </p:sp>
+      <p:sp>
+        <p:nvSpPr>
+          <p:cNvPr id="14" name="CasellaDiTesto 13">
+            <a:extLst>
+              <a:ext uri="{FF2B5EF4-FFF2-40B4-BE49-F238E27FC236}">
+                <a16:creationId xmlns:a16="http://schemas.microsoft.com/office/drawing/2014/main" id="{C18054AE-184F-31D1-A562-8FD7EE172EB3}"/>
+              </a:ext>
+            </a:extLst>
+          </p:cNvPr>
+          <p:cNvSpPr txBox="1"/>
+          <p:nvPr/>
+        </p:nvSpPr>
+        <p:spPr>
+          <a:xfrm>
+            <a:off x="8199346" y="2046683"/>
+            <a:ext cx="2854136" cy="1569660"/>
+          </a:xfrm>
+          <a:prstGeom prst="rect">
+            <a:avLst/>
+          </a:prstGeom>
+          <a:noFill/>
+          <a:ln w="28575">
+            <a:solidFill>
+              <a:srgbClr val="9D0208"/>
+            </a:solidFill>
+          </a:ln>
+        </p:spPr>
+        <p:txBody>
+          <a:bodyPr wrap="square">
+            <a:spAutoFit/>
+          </a:bodyPr>
+          <a:lstStyle/>
+          <a:p>
+            <a:r>
+              <a:rPr lang="it-IT" sz="1600" dirty="0">
+                <a:solidFill>
+                  <a:srgbClr val="6A040F"/>
+                </a:solidFill>
+                <a:latin typeface="Consolas" panose="020B0609020204030204" pitchFamily="49" charset="0"/>
+              </a:rPr>
+              <a:t>[</a:t>
+            </a:r>
+            <a:r>
+              <a:rPr lang="it-IT" sz="1600" dirty="0" err="1">
+                <a:solidFill>
+                  <a:srgbClr val="6A040F"/>
+                </a:solidFill>
+                <a:latin typeface="Consolas" panose="020B0609020204030204" pitchFamily="49" charset="0"/>
+              </a:rPr>
+              <a:t>Ingredient</a:t>
+            </a:r>
+            <a:r>
+              <a:rPr lang="it-IT" sz="1600" dirty="0">
+                <a:solidFill>
+                  <a:srgbClr val="6A040F"/>
+                </a:solidFill>
+                <a:latin typeface="Consolas" panose="020B0609020204030204" pitchFamily="49" charset="0"/>
+              </a:rPr>
+              <a:t>]:</a:t>
+            </a:r>
+          </a:p>
+          <a:p>
+            <a:r>
+              <a:rPr lang="it-IT" sz="1600" dirty="0">
+                <a:solidFill>
+                  <a:srgbClr val="6A040F"/>
+                </a:solidFill>
+                <a:latin typeface="Consolas" panose="020B0609020204030204" pitchFamily="49" charset="0"/>
+              </a:rPr>
+              <a:t>{</a:t>
+            </a:r>
+          </a:p>
+          <a:p>
+            <a:r>
+              <a:rPr lang="it-IT" sz="1600" dirty="0">
+                <a:solidFill>
+                  <a:srgbClr val="6A040F"/>
+                </a:solidFill>
+                <a:latin typeface="Consolas" panose="020B0609020204030204" pitchFamily="49" charset="0"/>
+              </a:rPr>
+              <a:t>  _id: </a:t>
+            </a:r>
+            <a:r>
+              <a:rPr lang="it-IT" sz="1600" dirty="0" err="1">
+                <a:solidFill>
+                  <a:srgbClr val="6A040F"/>
+                </a:solidFill>
+                <a:latin typeface="Consolas" panose="020B0609020204030204" pitchFamily="49" charset="0"/>
+              </a:rPr>
+              <a:t>ObjectId</a:t>
+            </a:r>
+            <a:r>
+              <a:rPr lang="it-IT" sz="1600" dirty="0">
+                <a:solidFill>
+                  <a:srgbClr val="6A040F"/>
+                </a:solidFill>
+                <a:latin typeface="Consolas" panose="020B0609020204030204" pitchFamily="49" charset="0"/>
+              </a:rPr>
+              <a:t>('...’),</a:t>
+            </a:r>
+          </a:p>
+          <a:p>
+            <a:r>
+              <a:rPr lang="it-IT" sz="1600" dirty="0">
+                <a:solidFill>
+                  <a:srgbClr val="6A040F"/>
+                </a:solidFill>
+                <a:latin typeface="Consolas" panose="020B0609020204030204" pitchFamily="49" charset="0"/>
+              </a:rPr>
+              <a:t>  name: </a:t>
+            </a:r>
+            <a:r>
+              <a:rPr lang="it-IT" sz="1600" dirty="0" err="1">
+                <a:solidFill>
+                  <a:srgbClr val="6A040F"/>
+                </a:solidFill>
+                <a:latin typeface="Consolas" panose="020B0609020204030204" pitchFamily="49" charset="0"/>
+              </a:rPr>
+              <a:t>String</a:t>
+            </a:r>
+            <a:r>
+              <a:rPr lang="it-IT" sz="1600" dirty="0">
+                <a:solidFill>
+                  <a:srgbClr val="6A040F"/>
+                </a:solidFill>
+                <a:latin typeface="Consolas" panose="020B0609020204030204" pitchFamily="49" charset="0"/>
+              </a:rPr>
+              <a:t>, </a:t>
+            </a:r>
+          </a:p>
+          <a:p>
+            <a:r>
+              <a:rPr lang="it-IT" sz="1600" dirty="0">
+                <a:solidFill>
+                  <a:srgbClr val="6A040F"/>
+                </a:solidFill>
+                <a:latin typeface="Consolas" panose="020B0609020204030204" pitchFamily="49" charset="0"/>
+              </a:rPr>
+              <a:t>  </a:t>
+            </a:r>
+            <a:r>
+              <a:rPr lang="it-IT" sz="1600" dirty="0" err="1">
+                <a:solidFill>
+                  <a:srgbClr val="6A040F"/>
+                </a:solidFill>
+                <a:latin typeface="Consolas" panose="020B0609020204030204" pitchFamily="49" charset="0"/>
+              </a:rPr>
+              <a:t>calories</a:t>
+            </a:r>
+            <a:r>
+              <a:rPr lang="it-IT" sz="1600" dirty="0">
+                <a:solidFill>
+                  <a:srgbClr val="6A040F"/>
+                </a:solidFill>
+                <a:latin typeface="Consolas" panose="020B0609020204030204" pitchFamily="49" charset="0"/>
+              </a:rPr>
+              <a:t>: Double</a:t>
+            </a:r>
+          </a:p>
+          <a:p>
+            <a:r>
+              <a:rPr lang="it-IT" sz="1600" dirty="0">
+                <a:solidFill>
+                  <a:srgbClr val="6A040F"/>
+                </a:solidFill>
+                <a:latin typeface="Consolas" panose="020B0609020204030204" pitchFamily="49" charset="0"/>
+              </a:rPr>
+              <a:t>}</a:t>
+            </a:r>
+          </a:p>
+        </p:txBody>
+      </p:sp>
+      <p:pic>
+        <p:nvPicPr>
+          <p:cNvPr id="16" name="Immagine 15" descr="Immagine che contiene clipart, disegno, cartone animato, creatività&#10;&#10;Descrizione generata automaticamente">
+            <a:extLst>
+              <a:ext uri="{FF2B5EF4-FFF2-40B4-BE49-F238E27FC236}">
+                <a16:creationId xmlns:a16="http://schemas.microsoft.com/office/drawing/2014/main" id="{077526B5-895D-6284-B6D8-0F16C50155FB}"/>
+              </a:ext>
+            </a:extLst>
+          </p:cNvPr>
+          <p:cNvPicPr>
+            <a:picLocks noChangeAspect="1"/>
+          </p:cNvPicPr>
+          <p:nvPr/>
+        </p:nvPicPr>
+        <p:blipFill>
+          <a:blip r:embed="rId5">
+            <a:extLst>
+              <a:ext uri="{28A0092B-C50C-407E-A947-70E740481C1C}">
+                <a14:useLocalDpi xmlns:a14="http://schemas.microsoft.com/office/drawing/2010/main" val="0"/>
+              </a:ext>
+            </a:extLst>
+          </a:blip>
+          <a:stretch>
+            <a:fillRect/>
+          </a:stretch>
+        </p:blipFill>
+        <p:spPr>
+          <a:xfrm>
+            <a:off x="9642662" y="710346"/>
+            <a:ext cx="835398" cy="835398"/>
+          </a:xfrm>
+          <a:prstGeom prst="rect">
+            <a:avLst/>
+          </a:prstGeom>
+        </p:spPr>
+      </p:pic>
+      <p:sp>
+        <p:nvSpPr>
+          <p:cNvPr id="17" name="CasellaDiTesto 16">
+            <a:extLst>
+              <a:ext uri="{FF2B5EF4-FFF2-40B4-BE49-F238E27FC236}">
+                <a16:creationId xmlns:a16="http://schemas.microsoft.com/office/drawing/2014/main" id="{6BABFAA9-54F4-EFBD-88A1-CCE9C8A569C2}"/>
+              </a:ext>
+            </a:extLst>
+          </p:cNvPr>
+          <p:cNvSpPr txBox="1"/>
+          <p:nvPr/>
+        </p:nvSpPr>
+        <p:spPr>
+          <a:xfrm>
+            <a:off x="9419787" y="1545744"/>
+            <a:ext cx="1063145" cy="276999"/>
+          </a:xfrm>
+          <a:prstGeom prst="rect">
+            <a:avLst/>
+          </a:prstGeom>
+          <a:noFill/>
+        </p:spPr>
+        <p:txBody>
+          <a:bodyPr wrap="square" rtlCol="0">
+            <a:spAutoFit/>
+          </a:bodyPr>
+          <a:lstStyle/>
+          <a:p>
+            <a:pPr algn="ctr"/>
+            <a:r>
+              <a:rPr lang="it-IT" sz="1200" dirty="0" err="1">
+                <a:solidFill>
+                  <a:srgbClr val="6A040F"/>
+                </a:solidFill>
+              </a:rPr>
+              <a:t>Ingredient</a:t>
+            </a:r>
+            <a:endParaRPr lang="it-IT" sz="1600" dirty="0">
+              <a:solidFill>
+                <a:srgbClr val="6A040F"/>
+              </a:solidFill>
+            </a:endParaRPr>
+          </a:p>
+        </p:txBody>
+      </p:sp>
+    </p:spTree>
+    <p:extLst>
+      <p:ext uri="{BB962C8B-B14F-4D97-AF65-F5344CB8AC3E}">
+        <p14:creationId xmlns:p14="http://schemas.microsoft.com/office/powerpoint/2010/main" val="1403552705"/>
+      </p:ext>
+    </p:extLst>
+  </p:cSld>
+  <p:clrMapOvr>
+    <a:masterClrMapping/>
+  </p:clrMapOvr>
+</p:sld>
+</file>
+
+<file path=ppt/slides/slide7.xml><?xml version="1.0" encoding="utf-8"?>
+<p:sld xmlns:a="http://schemas.openxmlformats.org/drawingml/2006/main" xmlns:r="http://schemas.openxmlformats.org/officeDocument/2006/relationships" xmlns:p="http://schemas.openxmlformats.org/presentationml/2006/main">
+  <p:cSld>
+    <p:spTree>
+      <p:nvGrpSpPr>
+        <p:cNvPr id="1" name=""/>
+        <p:cNvGrpSpPr/>
+        <p:nvPr/>
+      </p:nvGrpSpPr>
+      <p:grpSpPr>
+        <a:xfrm>
+          <a:off x="0" y="0"/>
+          <a:ext cx="0" cy="0"/>
+          <a:chOff x="0" y="0"/>
+          <a:chExt cx="0" cy="0"/>
+        </a:xfrm>
+      </p:grpSpPr>
+      <p:sp>
+        <p:nvSpPr>
+          <p:cNvPr id="4" name="CasellaDiTesto 3">
+            <a:extLst>
+              <a:ext uri="{FF2B5EF4-FFF2-40B4-BE49-F238E27FC236}">
+                <a16:creationId xmlns:a16="http://schemas.microsoft.com/office/drawing/2014/main" id="{C6DDEC60-C6E7-3DEC-12AC-1117AD215303}"/>
+              </a:ext>
+            </a:extLst>
+          </p:cNvPr>
+          <p:cNvSpPr txBox="1"/>
+          <p:nvPr/>
+        </p:nvSpPr>
+        <p:spPr>
+          <a:xfrm>
+            <a:off x="-136126" y="403510"/>
+            <a:ext cx="3184126" cy="307777"/>
+          </a:xfrm>
+          <a:prstGeom prst="rect">
+            <a:avLst/>
+          </a:prstGeom>
+          <a:noFill/>
+        </p:spPr>
+        <p:txBody>
+          <a:bodyPr wrap="square" rtlCol="0">
+            <a:spAutoFit/>
+          </a:bodyPr>
+          <a:lstStyle/>
+          <a:p>
+            <a:pPr algn="ctr"/>
+            <a:r>
+              <a:rPr lang="it-IT" sz="1400" b="1" dirty="0">
+                <a:solidFill>
+                  <a:srgbClr val="F48C06"/>
+                </a:solidFill>
+              </a:rPr>
+              <a:t>MOTIVATIONS and QUERIES</a:t>
+            </a:r>
+            <a:endParaRPr lang="it-IT" sz="1600" b="1" dirty="0">
+              <a:solidFill>
+                <a:srgbClr val="F48C06"/>
+              </a:solidFill>
+            </a:endParaRPr>
+          </a:p>
+        </p:txBody>
+      </p:sp>
+    </p:spTree>
+    <p:extLst>
+      <p:ext uri="{BB962C8B-B14F-4D97-AF65-F5344CB8AC3E}">
+        <p14:creationId xmlns:p14="http://schemas.microsoft.com/office/powerpoint/2010/main" val="209566561"/>
+      </p:ext>
+    </p:extLst>
+  </p:cSld>
+  <p:clrMapOvr>
+    <a:masterClrMapping/>
+  </p:clrMapOvr>
+</p:sld>
+</file>
+
+<file path=ppt/slides/slide8.xml><?xml version="1.0" encoding="utf-8"?>
+<p:sld xmlns:a="http://schemas.openxmlformats.org/drawingml/2006/main" xmlns:r="http://schemas.openxmlformats.org/officeDocument/2006/relationships" xmlns:p="http://schemas.openxmlformats.org/presentationml/2006/main">
+  <p:cSld>
+    <p:spTree>
+      <p:nvGrpSpPr>
+        <p:cNvPr id="1" name=""/>
+        <p:cNvGrpSpPr/>
+        <p:nvPr/>
+      </p:nvGrpSpPr>
+      <p:grpSpPr>
+        <a:xfrm>
+          <a:off x="0" y="0"/>
+          <a:ext cx="0" cy="0"/>
+          <a:chOff x="0" y="0"/>
+          <a:chExt cx="0" cy="0"/>
+        </a:xfrm>
+      </p:grpSpPr>
+      <p:sp>
+        <p:nvSpPr>
+          <p:cNvPr id="4" name="CasellaDiTesto 3">
+            <a:extLst>
+              <a:ext uri="{FF2B5EF4-FFF2-40B4-BE49-F238E27FC236}">
+                <a16:creationId xmlns:a16="http://schemas.microsoft.com/office/drawing/2014/main" id="{C6DDEC60-C6E7-3DEC-12AC-1117AD215303}"/>
+              </a:ext>
+            </a:extLst>
+          </p:cNvPr>
+          <p:cNvSpPr txBox="1"/>
+          <p:nvPr/>
+        </p:nvSpPr>
+        <p:spPr>
+          <a:xfrm>
+            <a:off x="-136126" y="403510"/>
+            <a:ext cx="3184126" cy="307777"/>
+          </a:xfrm>
+          <a:prstGeom prst="rect">
+            <a:avLst/>
+          </a:prstGeom>
+          <a:noFill/>
+        </p:spPr>
+        <p:txBody>
+          <a:bodyPr wrap="square" rtlCol="0">
+            <a:spAutoFit/>
+          </a:bodyPr>
+          <a:lstStyle/>
+          <a:p>
+            <a:pPr algn="ctr"/>
+            <a:r>
+              <a:rPr lang="it-IT" sz="1400" b="1" dirty="0">
+                <a:solidFill>
+                  <a:srgbClr val="F48C06"/>
+                </a:solidFill>
+              </a:rPr>
+              <a:t>GRAPH DB</a:t>
+            </a:r>
+            <a:endParaRPr lang="it-IT" sz="1600" b="1" dirty="0">
+              <a:solidFill>
+                <a:srgbClr val="F48C06"/>
+              </a:solidFill>
+            </a:endParaRPr>
+          </a:p>
+        </p:txBody>
+      </p:sp>
+      <p:pic>
+        <p:nvPicPr>
+          <p:cNvPr id="3" name="Immagine 2" descr="Immagine che contiene diagramma, cerchio, testo&#10;&#10;Descrizione generata automaticamente">
+            <a:extLst>
+              <a:ext uri="{FF2B5EF4-FFF2-40B4-BE49-F238E27FC236}">
+                <a16:creationId xmlns:a16="http://schemas.microsoft.com/office/drawing/2014/main" id="{2DF0B6D0-010F-DFB7-6D1E-67200A836207}"/>
+              </a:ext>
+            </a:extLst>
+          </p:cNvPr>
+          <p:cNvPicPr>
+            <a:picLocks noChangeAspect="1"/>
+          </p:cNvPicPr>
+          <p:nvPr/>
+        </p:nvPicPr>
+        <p:blipFill>
+          <a:blip r:embed="rId2">
+            <a:extLst>
+              <a:ext uri="{28A0092B-C50C-407E-A947-70E740481C1C}">
+                <a14:useLocalDpi xmlns:a14="http://schemas.microsoft.com/office/drawing/2010/main" val="0"/>
+              </a:ext>
+            </a:extLst>
+          </a:blip>
+          <a:stretch>
+            <a:fillRect/>
+          </a:stretch>
+        </p:blipFill>
+        <p:spPr>
+          <a:xfrm>
+            <a:off x="4284945" y="352525"/>
+            <a:ext cx="3430514" cy="3076475"/>
+          </a:xfrm>
+          <a:prstGeom prst="rect">
+            <a:avLst/>
+          </a:prstGeom>
+        </p:spPr>
+      </p:pic>
+      <p:pic>
+        <p:nvPicPr>
+          <p:cNvPr id="5" name="Immagine 4">
+            <a:extLst>
+              <a:ext uri="{FF2B5EF4-FFF2-40B4-BE49-F238E27FC236}">
+                <a16:creationId xmlns:a16="http://schemas.microsoft.com/office/drawing/2014/main" id="{BE715A50-F6D1-7174-B9E3-788BFC4FE9D9}"/>
+              </a:ext>
+            </a:extLst>
+          </p:cNvPr>
+          <p:cNvPicPr>
+            <a:picLocks noChangeAspect="1"/>
+          </p:cNvPicPr>
+          <p:nvPr/>
+        </p:nvPicPr>
+        <p:blipFill>
+          <a:blip r:embed="rId3">
+            <a:extLst>
+              <a:ext uri="{28A0092B-C50C-407E-A947-70E740481C1C}">
+                <a14:useLocalDpi xmlns:a14="http://schemas.microsoft.com/office/drawing/2010/main" val="0"/>
+              </a:ext>
+            </a:extLst>
+          </a:blip>
+          <a:stretch>
+            <a:fillRect/>
+          </a:stretch>
+        </p:blipFill>
+        <p:spPr>
+          <a:xfrm>
+            <a:off x="1738595" y="3661402"/>
+            <a:ext cx="1798100" cy="2560163"/>
+          </a:xfrm>
+          <a:prstGeom prst="rect">
+            <a:avLst/>
+          </a:prstGeom>
+        </p:spPr>
+      </p:pic>
+      <p:pic>
+        <p:nvPicPr>
+          <p:cNvPr id="6" name="Immagine 5" descr="Immagine che contiene testo, cerchio, Carattere&#10;&#10;Descrizione generata automaticamente">
+            <a:extLst>
+              <a:ext uri="{FF2B5EF4-FFF2-40B4-BE49-F238E27FC236}">
+                <a16:creationId xmlns:a16="http://schemas.microsoft.com/office/drawing/2014/main" id="{BEB418FA-F118-1E27-EB18-DCC085C1BA0C}"/>
+              </a:ext>
+            </a:extLst>
+          </p:cNvPr>
+          <p:cNvPicPr>
+            <a:picLocks noChangeAspect="1"/>
+          </p:cNvPicPr>
+          <p:nvPr/>
+        </p:nvPicPr>
+        <p:blipFill>
+          <a:blip r:embed="rId4">
+            <a:extLst>
+              <a:ext uri="{28A0092B-C50C-407E-A947-70E740481C1C}">
+                <a14:useLocalDpi xmlns:a14="http://schemas.microsoft.com/office/drawing/2010/main" val="0"/>
+              </a:ext>
+            </a:extLst>
+          </a:blip>
+          <a:stretch>
+            <a:fillRect/>
+          </a:stretch>
+        </p:blipFill>
+        <p:spPr>
+          <a:xfrm>
+            <a:off x="4284945" y="3661404"/>
+            <a:ext cx="2531384" cy="2560162"/>
+          </a:xfrm>
+          <a:prstGeom prst="rect">
+            <a:avLst/>
+          </a:prstGeom>
+        </p:spPr>
+      </p:pic>
+      <p:pic>
+        <p:nvPicPr>
+          <p:cNvPr id="7" name="Immagine 6" descr="Immagine che contiene cerchio, schermata, astronomia&#10;&#10;Descrizione generata automaticamente">
+            <a:extLst>
+              <a:ext uri="{FF2B5EF4-FFF2-40B4-BE49-F238E27FC236}">
+                <a16:creationId xmlns:a16="http://schemas.microsoft.com/office/drawing/2014/main" id="{FFFBEA81-660D-F18E-192E-A4AC8DECD329}"/>
+              </a:ext>
+            </a:extLst>
+          </p:cNvPr>
+          <p:cNvPicPr>
+            <a:picLocks noChangeAspect="1"/>
+          </p:cNvPicPr>
+          <p:nvPr/>
+        </p:nvPicPr>
+        <p:blipFill>
+          <a:blip r:embed="rId5">
+            <a:extLst>
+              <a:ext uri="{28A0092B-C50C-407E-A947-70E740481C1C}">
+                <a14:useLocalDpi xmlns:a14="http://schemas.microsoft.com/office/drawing/2010/main" val="0"/>
+              </a:ext>
+            </a:extLst>
+          </a:blip>
+          <a:stretch>
+            <a:fillRect/>
+          </a:stretch>
+        </p:blipFill>
+        <p:spPr>
+          <a:xfrm>
+            <a:off x="7844119" y="3661404"/>
+            <a:ext cx="2732835" cy="2560162"/>
+          </a:xfrm>
+          <a:prstGeom prst="rect">
+            <a:avLst/>
+          </a:prstGeom>
+        </p:spPr>
+      </p:pic>
+    </p:spTree>
+    <p:extLst>
+      <p:ext uri="{BB962C8B-B14F-4D97-AF65-F5344CB8AC3E}">
+        <p14:creationId xmlns:p14="http://schemas.microsoft.com/office/powerpoint/2010/main" val="4138843580"/>
+      </p:ext>
+    </p:extLst>
+  </p:cSld>
+  <p:clrMapOvr>
+    <a:masterClrMapping/>
+  </p:clrMapOvr>
+</p:sld>
+</file>
+
+<file path=ppt/slides/slide9.xml><?xml version="1.0" encoding="utf-8"?>
+<p:sld xmlns:a="http://schemas.openxmlformats.org/drawingml/2006/main" xmlns:r="http://schemas.openxmlformats.org/officeDocument/2006/relationships" xmlns:p="http://schemas.openxmlformats.org/presentationml/2006/main">
+  <p:cSld>
+    <p:spTree>
+      <p:nvGrpSpPr>
+        <p:cNvPr id="1" name=""/>
+        <p:cNvGrpSpPr/>
+        <p:nvPr/>
+      </p:nvGrpSpPr>
+      <p:grpSpPr>
+        <a:xfrm>
+          <a:off x="0" y="0"/>
+          <a:ext cx="0" cy="0"/>
+          <a:chOff x="0" y="0"/>
+          <a:chExt cx="0" cy="0"/>
+        </a:xfrm>
+      </p:grpSpPr>
+      <p:sp>
+        <p:nvSpPr>
+          <p:cNvPr id="4" name="CasellaDiTesto 3">
+            <a:extLst>
+              <a:ext uri="{FF2B5EF4-FFF2-40B4-BE49-F238E27FC236}">
+                <a16:creationId xmlns:a16="http://schemas.microsoft.com/office/drawing/2014/main" id="{C6DDEC60-C6E7-3DEC-12AC-1117AD215303}"/>
+              </a:ext>
+            </a:extLst>
+          </p:cNvPr>
+          <p:cNvSpPr txBox="1"/>
+          <p:nvPr/>
+        </p:nvSpPr>
+        <p:spPr>
+          <a:xfrm>
+            <a:off x="-136126" y="403510"/>
+            <a:ext cx="3184126" cy="307777"/>
+          </a:xfrm>
+          <a:prstGeom prst="rect">
+            <a:avLst/>
+          </a:prstGeom>
+          <a:noFill/>
+        </p:spPr>
+        <p:txBody>
+          <a:bodyPr wrap="square" rtlCol="0">
+            <a:spAutoFit/>
+          </a:bodyPr>
+          <a:lstStyle/>
+          <a:p>
+            <a:pPr algn="ctr"/>
+            <a:r>
+              <a:rPr lang="it-IT" sz="1400" b="1" dirty="0">
+                <a:solidFill>
+                  <a:srgbClr val="F48C06"/>
+                </a:solidFill>
+              </a:rPr>
+              <a:t>MOTIVATIONS and QUERIES</a:t>
+            </a:r>
+            <a:endParaRPr lang="it-IT" sz="1600" b="1" dirty="0">
+              <a:solidFill>
+                <a:srgbClr val="F48C06"/>
+              </a:solidFill>
+            </a:endParaRPr>
+          </a:p>
+        </p:txBody>
+      </p:sp>
+      <p:pic>
+        <p:nvPicPr>
+          <p:cNvPr id="5" name="Elemento grafico 4" descr="Rete utente contorno">
+            <a:extLst>
+              <a:ext uri="{FF2B5EF4-FFF2-40B4-BE49-F238E27FC236}">
+                <a16:creationId xmlns:a16="http://schemas.microsoft.com/office/drawing/2014/main" id="{9904D2CD-66CE-5B4A-6EE6-D442369B0D07}"/>
+              </a:ext>
+            </a:extLst>
+          </p:cNvPr>
+          <p:cNvPicPr>
+            <a:picLocks noChangeAspect="1"/>
+          </p:cNvPicPr>
+          <p:nvPr/>
+        </p:nvPicPr>
+        <p:blipFill>
+          <a:blip r:embed="rId2">
+            <a:extLst>
+              <a:ext uri="{28A0092B-C50C-407E-A947-70E740481C1C}">
+                <a14:useLocalDpi xmlns:a14="http://schemas.microsoft.com/office/drawing/2010/main" val="0"/>
+              </a:ext>
+              <a:ext uri="{96DAC541-7B7A-43D3-8B79-37D633B846F1}">
+                <asvg:svgBlip xmlns:asvg="http://schemas.microsoft.com/office/drawing/2016/SVG/main" r:embed="rId3"/>
+              </a:ext>
+            </a:extLst>
+          </a:blip>
+          <a:stretch>
+            <a:fillRect/>
+          </a:stretch>
+        </p:blipFill>
+        <p:spPr>
+          <a:xfrm>
+            <a:off x="1394011" y="2209802"/>
+            <a:ext cx="1120588" cy="1120588"/>
+          </a:xfrm>
+          <a:prstGeom prst="rect">
+            <a:avLst/>
+          </a:prstGeom>
+        </p:spPr>
+      </p:pic>
+      <p:pic>
+        <p:nvPicPr>
+          <p:cNvPr id="7" name="Immagine 6" descr="Immagine che contiene clipart, cartone animato, illustrazione, design&#10;&#10;Descrizione generata automaticamente">
+            <a:extLst>
+              <a:ext uri="{FF2B5EF4-FFF2-40B4-BE49-F238E27FC236}">
+                <a16:creationId xmlns:a16="http://schemas.microsoft.com/office/drawing/2014/main" id="{9398D951-1F5A-7917-6DB1-C44A59F34656}"/>
+              </a:ext>
+            </a:extLst>
+          </p:cNvPr>
+          <p:cNvPicPr>
+            <a:picLocks noChangeAspect="1"/>
+          </p:cNvPicPr>
+          <p:nvPr/>
+        </p:nvPicPr>
+        <p:blipFill>
+          <a:blip r:embed="rId4">
+            <a:extLst>
+              <a:ext uri="{28A0092B-C50C-407E-A947-70E740481C1C}">
+                <a14:useLocalDpi xmlns:a14="http://schemas.microsoft.com/office/drawing/2010/main" val="0"/>
+              </a:ext>
+            </a:extLst>
+          </a:blip>
+          <a:stretch>
+            <a:fillRect/>
+          </a:stretch>
+        </p:blipFill>
+        <p:spPr>
+          <a:xfrm>
+            <a:off x="9811869" y="2209801"/>
+            <a:ext cx="1120589" cy="1120589"/>
+          </a:xfrm>
+          <a:prstGeom prst="rect">
+            <a:avLst/>
+          </a:prstGeom>
+        </p:spPr>
+      </p:pic>
+      <p:pic>
+        <p:nvPicPr>
+          <p:cNvPr id="9" name="Immagine 8" descr="Immagine che contiene logo, Elementi grafici, schermata, grafica&#10;&#10;Descrizione generata automaticamente">
+            <a:extLst>
+              <a:ext uri="{FF2B5EF4-FFF2-40B4-BE49-F238E27FC236}">
+                <a16:creationId xmlns:a16="http://schemas.microsoft.com/office/drawing/2014/main" id="{242C6E6B-82F8-7A1B-D8E6-A862496C7979}"/>
+              </a:ext>
+            </a:extLst>
+          </p:cNvPr>
+          <p:cNvPicPr>
+            <a:picLocks noChangeAspect="1"/>
+          </p:cNvPicPr>
+          <p:nvPr/>
+        </p:nvPicPr>
+        <p:blipFill>
+          <a:blip r:embed="rId5">
+            <a:extLst>
+              <a:ext uri="{28A0092B-C50C-407E-A947-70E740481C1C}">
+                <a14:useLocalDpi xmlns:a14="http://schemas.microsoft.com/office/drawing/2010/main" val="0"/>
+              </a:ext>
+            </a:extLst>
+          </a:blip>
+          <a:stretch>
+            <a:fillRect/>
+          </a:stretch>
+        </p:blipFill>
+        <p:spPr>
+          <a:xfrm>
+            <a:off x="5298446" y="2384919"/>
+            <a:ext cx="945471" cy="945471"/>
+          </a:xfrm>
+          <a:prstGeom prst="rect">
+            <a:avLst/>
+          </a:prstGeom>
+        </p:spPr>
+      </p:pic>
+    </p:spTree>
+    <p:extLst>
+      <p:ext uri="{BB962C8B-B14F-4D97-AF65-F5344CB8AC3E}">
+        <p14:creationId xmlns:p14="http://schemas.microsoft.com/office/powerpoint/2010/main" val="1772702025"/>
       </p:ext>
     </p:extLst>
   </p:cSld>
